--- a/Presentations/SCiP 2020.pptx
+++ b/Presentations/SCiP 2020.pptx
@@ -11,17 +11,17 @@
     <p:sldId id="257" r:id="rId2"/>
     <p:sldId id="266" r:id="rId3"/>
     <p:sldId id="264" r:id="rId4"/>
-    <p:sldId id="267" r:id="rId5"/>
-    <p:sldId id="271" r:id="rId6"/>
-    <p:sldId id="270" r:id="rId7"/>
-    <p:sldId id="272" r:id="rId8"/>
-    <p:sldId id="273" r:id="rId9"/>
-    <p:sldId id="274" r:id="rId10"/>
-    <p:sldId id="275" r:id="rId11"/>
-    <p:sldId id="276" r:id="rId12"/>
+    <p:sldId id="286" r:id="rId5"/>
+    <p:sldId id="293" r:id="rId6"/>
+    <p:sldId id="292" r:id="rId7"/>
+    <p:sldId id="291" r:id="rId8"/>
+    <p:sldId id="290" r:id="rId9"/>
+    <p:sldId id="287" r:id="rId10"/>
+    <p:sldId id="288" r:id="rId11"/>
+    <p:sldId id="289" r:id="rId12"/>
     <p:sldId id="277" r:id="rId13"/>
-    <p:sldId id="268" r:id="rId14"/>
-    <p:sldId id="278" r:id="rId15"/>
+    <p:sldId id="295" r:id="rId14"/>
+    <p:sldId id="294" r:id="rId15"/>
     <p:sldId id="279" r:id="rId16"/>
     <p:sldId id="269" r:id="rId17"/>
     <p:sldId id="280" r:id="rId18"/>
@@ -216,7 +216,7 @@
           <a:p>
             <a:fld id="{75CB3914-4D35-42D3-857C-7663624C350B}" type="datetimeFigureOut">
               <a:rPr lang="en-US" smtClean="0"/>
-              <a:t>10/27/2020</a:t>
+              <a:t>10/29/2020</a:t>
             </a:fld>
             <a:endParaRPr lang="en-US"/>
           </a:p>
@@ -2326,6 +2326,484 @@
         </p:nvCxnSpPr>
         <p:spPr>
           <a:xfrm flipH="1">
+            <a:off x="4837204" y="1841297"/>
+            <a:ext cx="305073" cy="0"/>
+          </a:xfrm>
+          <a:prstGeom prst="straightConnector1">
+            <a:avLst/>
+          </a:prstGeom>
+          <a:ln w="28575">
+            <a:solidFill>
+              <a:schemeClr val="tx1"/>
+            </a:solidFill>
+            <a:tailEnd type="triangle"/>
+          </a:ln>
+        </p:spPr>
+        <p:style>
+          <a:lnRef idx="1">
+            <a:schemeClr val="accent1"/>
+          </a:lnRef>
+          <a:fillRef idx="0">
+            <a:schemeClr val="accent1"/>
+          </a:fillRef>
+          <a:effectRef idx="0">
+            <a:schemeClr val="accent1"/>
+          </a:effectRef>
+          <a:fontRef idx="minor">
+            <a:schemeClr val="tx1"/>
+          </a:fontRef>
+        </p:style>
+      </p:cxnSp>
+      <p:sp>
+        <p:nvSpPr>
+          <p:cNvPr id="10" name="TextBox 9">
+            <a:extLst>
+              <a:ext uri="{FF2B5EF4-FFF2-40B4-BE49-F238E27FC236}">
+                <a16:creationId xmlns:a16="http://schemas.microsoft.com/office/drawing/2014/main" id="{A6994E22-452C-4F6A-9847-4D8614B7EC28}"/>
+              </a:ext>
+            </a:extLst>
+          </p:cNvPr>
+          <p:cNvSpPr txBox="1"/>
+          <p:nvPr/>
+        </p:nvSpPr>
+        <p:spPr>
+          <a:xfrm>
+            <a:off x="5142277" y="1662039"/>
+            <a:ext cx="2490652" cy="292388"/>
+          </a:xfrm>
+          <a:prstGeom prst="rect">
+            <a:avLst/>
+          </a:prstGeom>
+          <a:noFill/>
+        </p:spPr>
+        <p:txBody>
+          <a:bodyPr wrap="square" rtlCol="0">
+            <a:spAutoFit/>
+          </a:bodyPr>
+          <a:lstStyle/>
+          <a:p>
+            <a:r>
+              <a:rPr lang="en-US" sz="1300" dirty="0"/>
+              <a:t>Response column</a:t>
+            </a:r>
+          </a:p>
+        </p:txBody>
+      </p:sp>
+      <p:cxnSp>
+        <p:nvCxnSpPr>
+          <p:cNvPr id="7" name="Straight Arrow Connector 6">
+            <a:extLst>
+              <a:ext uri="{FF2B5EF4-FFF2-40B4-BE49-F238E27FC236}">
+                <a16:creationId xmlns:a16="http://schemas.microsoft.com/office/drawing/2014/main" id="{85E0E4A9-4D18-401C-8776-ED3B4560BEC8}"/>
+              </a:ext>
+            </a:extLst>
+          </p:cNvPr>
+          <p:cNvCxnSpPr>
+            <a:cxnSpLocks/>
+          </p:cNvCxnSpPr>
+          <p:nvPr/>
+        </p:nvCxnSpPr>
+        <p:spPr>
+          <a:xfrm flipH="1">
+            <a:off x="4822371" y="1994427"/>
+            <a:ext cx="305073" cy="0"/>
+          </a:xfrm>
+          <a:prstGeom prst="straightConnector1">
+            <a:avLst/>
+          </a:prstGeom>
+          <a:ln w="28575">
+            <a:solidFill>
+              <a:schemeClr val="tx1"/>
+            </a:solidFill>
+            <a:tailEnd type="triangle"/>
+          </a:ln>
+        </p:spPr>
+        <p:style>
+          <a:lnRef idx="1">
+            <a:schemeClr val="accent1"/>
+          </a:lnRef>
+          <a:fillRef idx="0">
+            <a:schemeClr val="accent1"/>
+          </a:fillRef>
+          <a:effectRef idx="0">
+            <a:schemeClr val="accent1"/>
+          </a:effectRef>
+          <a:fontRef idx="minor">
+            <a:schemeClr val="tx1"/>
+          </a:fontRef>
+        </p:style>
+      </p:cxnSp>
+      <p:sp>
+        <p:nvSpPr>
+          <p:cNvPr id="9" name="TextBox 8">
+            <a:extLst>
+              <a:ext uri="{FF2B5EF4-FFF2-40B4-BE49-F238E27FC236}">
+                <a16:creationId xmlns:a16="http://schemas.microsoft.com/office/drawing/2014/main" id="{BE682E5D-D265-4180-B13E-5DB5678D75EF}"/>
+              </a:ext>
+            </a:extLst>
+          </p:cNvPr>
+          <p:cNvSpPr txBox="1"/>
+          <p:nvPr/>
+        </p:nvSpPr>
+        <p:spPr>
+          <a:xfrm>
+            <a:off x="5142277" y="1834703"/>
+            <a:ext cx="2490652" cy="292388"/>
+          </a:xfrm>
+          <a:prstGeom prst="rect">
+            <a:avLst/>
+          </a:prstGeom>
+          <a:noFill/>
+        </p:spPr>
+        <p:txBody>
+          <a:bodyPr wrap="square" rtlCol="0">
+            <a:spAutoFit/>
+          </a:bodyPr>
+          <a:lstStyle/>
+          <a:p>
+            <a:r>
+              <a:rPr lang="en-US" sz="1300" dirty="0"/>
+              <a:t>Answer key column</a:t>
+            </a:r>
+          </a:p>
+        </p:txBody>
+      </p:sp>
+      <p:cxnSp>
+        <p:nvCxnSpPr>
+          <p:cNvPr id="11" name="Straight Arrow Connector 10">
+            <a:extLst>
+              <a:ext uri="{FF2B5EF4-FFF2-40B4-BE49-F238E27FC236}">
+                <a16:creationId xmlns:a16="http://schemas.microsoft.com/office/drawing/2014/main" id="{79BCC449-646D-4CFB-A4F3-9CD51AD11C4B}"/>
+              </a:ext>
+            </a:extLst>
+          </p:cNvPr>
+          <p:cNvCxnSpPr>
+            <a:cxnSpLocks/>
+          </p:cNvCxnSpPr>
+          <p:nvPr/>
+        </p:nvCxnSpPr>
+        <p:spPr>
+          <a:xfrm flipH="1">
+            <a:off x="4822371" y="2150431"/>
+            <a:ext cx="305073" cy="0"/>
+          </a:xfrm>
+          <a:prstGeom prst="straightConnector1">
+            <a:avLst/>
+          </a:prstGeom>
+          <a:ln w="28575">
+            <a:solidFill>
+              <a:schemeClr val="tx1"/>
+            </a:solidFill>
+            <a:tailEnd type="triangle"/>
+          </a:ln>
+        </p:spPr>
+        <p:style>
+          <a:lnRef idx="1">
+            <a:schemeClr val="accent1"/>
+          </a:lnRef>
+          <a:fillRef idx="0">
+            <a:schemeClr val="accent1"/>
+          </a:fillRef>
+          <a:effectRef idx="0">
+            <a:schemeClr val="accent1"/>
+          </a:effectRef>
+          <a:fontRef idx="minor">
+            <a:schemeClr val="tx1"/>
+          </a:fontRef>
+        </p:style>
+      </p:cxnSp>
+      <p:sp>
+        <p:nvSpPr>
+          <p:cNvPr id="12" name="TextBox 11">
+            <a:extLst>
+              <a:ext uri="{FF2B5EF4-FFF2-40B4-BE49-F238E27FC236}">
+                <a16:creationId xmlns:a16="http://schemas.microsoft.com/office/drawing/2014/main" id="{C71559D6-BE9B-47D1-8B2A-3B2FBA485A38}"/>
+              </a:ext>
+            </a:extLst>
+          </p:cNvPr>
+          <p:cNvSpPr txBox="1"/>
+          <p:nvPr/>
+        </p:nvSpPr>
+        <p:spPr>
+          <a:xfrm>
+            <a:off x="5127444" y="1973836"/>
+            <a:ext cx="2490652" cy="292388"/>
+          </a:xfrm>
+          <a:prstGeom prst="rect">
+            <a:avLst/>
+          </a:prstGeom>
+          <a:noFill/>
+        </p:spPr>
+        <p:txBody>
+          <a:bodyPr wrap="square" rtlCol="0">
+            <a:spAutoFit/>
+          </a:bodyPr>
+          <a:lstStyle/>
+          <a:p>
+            <a:r>
+              <a:rPr lang="en-US" sz="1300" dirty="0"/>
+              <a:t>Item number for answer key</a:t>
+            </a:r>
+          </a:p>
+        </p:txBody>
+      </p:sp>
+      <p:cxnSp>
+        <p:nvCxnSpPr>
+          <p:cNvPr id="13" name="Straight Arrow Connector 12">
+            <a:extLst>
+              <a:ext uri="{FF2B5EF4-FFF2-40B4-BE49-F238E27FC236}">
+                <a16:creationId xmlns:a16="http://schemas.microsoft.com/office/drawing/2014/main" id="{4199D197-D693-497D-9FC8-2BA42ADDE06A}"/>
+              </a:ext>
+            </a:extLst>
+          </p:cNvPr>
+          <p:cNvCxnSpPr>
+            <a:cxnSpLocks/>
+          </p:cNvCxnSpPr>
+          <p:nvPr/>
+        </p:nvCxnSpPr>
+        <p:spPr>
+          <a:xfrm flipH="1">
+            <a:off x="4822371" y="2283340"/>
+            <a:ext cx="305073" cy="0"/>
+          </a:xfrm>
+          <a:prstGeom prst="straightConnector1">
+            <a:avLst/>
+          </a:prstGeom>
+          <a:ln w="28575">
+            <a:solidFill>
+              <a:schemeClr val="tx1"/>
+            </a:solidFill>
+            <a:tailEnd type="triangle"/>
+          </a:ln>
+        </p:spPr>
+        <p:style>
+          <a:lnRef idx="1">
+            <a:schemeClr val="accent1"/>
+          </a:lnRef>
+          <a:fillRef idx="0">
+            <a:schemeClr val="accent1"/>
+          </a:fillRef>
+          <a:effectRef idx="0">
+            <a:schemeClr val="accent1"/>
+          </a:effectRef>
+          <a:fontRef idx="minor">
+            <a:schemeClr val="tx1"/>
+          </a:fontRef>
+        </p:style>
+      </p:cxnSp>
+      <p:sp>
+        <p:nvSpPr>
+          <p:cNvPr id="14" name="TextBox 13">
+            <a:extLst>
+              <a:ext uri="{FF2B5EF4-FFF2-40B4-BE49-F238E27FC236}">
+                <a16:creationId xmlns:a16="http://schemas.microsoft.com/office/drawing/2014/main" id="{C34274DD-03CE-4E68-99BE-E1FC7AC987B7}"/>
+              </a:ext>
+            </a:extLst>
+          </p:cNvPr>
+          <p:cNvSpPr txBox="1"/>
+          <p:nvPr/>
+        </p:nvSpPr>
+        <p:spPr>
+          <a:xfrm>
+            <a:off x="5142277" y="2122845"/>
+            <a:ext cx="2490652" cy="292388"/>
+          </a:xfrm>
+          <a:prstGeom prst="rect">
+            <a:avLst/>
+          </a:prstGeom>
+          <a:noFill/>
+        </p:spPr>
+        <p:txBody>
+          <a:bodyPr wrap="square" rtlCol="0">
+            <a:spAutoFit/>
+          </a:bodyPr>
+          <a:lstStyle/>
+          <a:p>
+            <a:r>
+              <a:rPr lang="en-US" sz="1300" dirty="0"/>
+              <a:t>Participant Identifier</a:t>
+            </a:r>
+          </a:p>
+        </p:txBody>
+      </p:sp>
+      <p:cxnSp>
+        <p:nvCxnSpPr>
+          <p:cNvPr id="15" name="Straight Arrow Connector 14">
+            <a:extLst>
+              <a:ext uri="{FF2B5EF4-FFF2-40B4-BE49-F238E27FC236}">
+                <a16:creationId xmlns:a16="http://schemas.microsoft.com/office/drawing/2014/main" id="{84EFCC8E-3358-40A0-AAA0-9E60599A1193}"/>
+              </a:ext>
+            </a:extLst>
+          </p:cNvPr>
+          <p:cNvCxnSpPr>
+            <a:cxnSpLocks/>
+          </p:cNvCxnSpPr>
+          <p:nvPr/>
+        </p:nvCxnSpPr>
+        <p:spPr>
+          <a:xfrm flipH="1">
+            <a:off x="4822371" y="2437067"/>
+            <a:ext cx="305073" cy="0"/>
+          </a:xfrm>
+          <a:prstGeom prst="straightConnector1">
+            <a:avLst/>
+          </a:prstGeom>
+          <a:ln w="28575">
+            <a:solidFill>
+              <a:schemeClr val="tx1"/>
+            </a:solidFill>
+            <a:tailEnd type="triangle"/>
+          </a:ln>
+        </p:spPr>
+        <p:style>
+          <a:lnRef idx="1">
+            <a:schemeClr val="accent1"/>
+          </a:lnRef>
+          <a:fillRef idx="0">
+            <a:schemeClr val="accent1"/>
+          </a:fillRef>
+          <a:effectRef idx="0">
+            <a:schemeClr val="accent1"/>
+          </a:effectRef>
+          <a:fontRef idx="minor">
+            <a:schemeClr val="tx1"/>
+          </a:fontRef>
+        </p:style>
+      </p:cxnSp>
+      <p:sp>
+        <p:nvSpPr>
+          <p:cNvPr id="16" name="TextBox 15">
+            <a:extLst>
+              <a:ext uri="{FF2B5EF4-FFF2-40B4-BE49-F238E27FC236}">
+                <a16:creationId xmlns:a16="http://schemas.microsoft.com/office/drawing/2014/main" id="{143C16A8-FD6C-40BE-9286-9A33916D7295}"/>
+              </a:ext>
+            </a:extLst>
+          </p:cNvPr>
+          <p:cNvSpPr txBox="1"/>
+          <p:nvPr/>
+        </p:nvSpPr>
+        <p:spPr>
+          <a:xfrm>
+            <a:off x="5142277" y="2275813"/>
+            <a:ext cx="2490652" cy="292388"/>
+          </a:xfrm>
+          <a:prstGeom prst="rect">
+            <a:avLst/>
+          </a:prstGeom>
+          <a:noFill/>
+        </p:spPr>
+        <p:txBody>
+          <a:bodyPr wrap="square" rtlCol="0">
+            <a:spAutoFit/>
+          </a:bodyPr>
+          <a:lstStyle/>
+          <a:p>
+            <a:r>
+              <a:rPr lang="en-US" sz="1300" dirty="0"/>
+              <a:t>Item number for study pairs</a:t>
+            </a:r>
+          </a:p>
+        </p:txBody>
+      </p:sp>
+      <p:cxnSp>
+        <p:nvCxnSpPr>
+          <p:cNvPr id="17" name="Straight Arrow Connector 16">
+            <a:extLst>
+              <a:ext uri="{FF2B5EF4-FFF2-40B4-BE49-F238E27FC236}">
+                <a16:creationId xmlns:a16="http://schemas.microsoft.com/office/drawing/2014/main" id="{34546FBD-9A0F-4AC8-828E-F50717DEAD90}"/>
+              </a:ext>
+            </a:extLst>
+          </p:cNvPr>
+          <p:cNvCxnSpPr>
+            <a:cxnSpLocks/>
+          </p:cNvCxnSpPr>
+          <p:nvPr/>
+        </p:nvCxnSpPr>
+        <p:spPr>
+          <a:xfrm flipH="1">
+            <a:off x="4822371" y="2574894"/>
+            <a:ext cx="305073" cy="0"/>
+          </a:xfrm>
+          <a:prstGeom prst="straightConnector1">
+            <a:avLst/>
+          </a:prstGeom>
+          <a:ln w="28575">
+            <a:solidFill>
+              <a:schemeClr val="tx1"/>
+            </a:solidFill>
+            <a:tailEnd type="triangle"/>
+          </a:ln>
+        </p:spPr>
+        <p:style>
+          <a:lnRef idx="1">
+            <a:schemeClr val="accent1"/>
+          </a:lnRef>
+          <a:fillRef idx="0">
+            <a:schemeClr val="accent1"/>
+          </a:fillRef>
+          <a:effectRef idx="0">
+            <a:schemeClr val="accent1"/>
+          </a:effectRef>
+          <a:fontRef idx="minor">
+            <a:schemeClr val="tx1"/>
+          </a:fontRef>
+        </p:style>
+      </p:cxnSp>
+      <p:sp>
+        <p:nvSpPr>
+          <p:cNvPr id="18" name="TextBox 17">
+            <a:extLst>
+              <a:ext uri="{FF2B5EF4-FFF2-40B4-BE49-F238E27FC236}">
+                <a16:creationId xmlns:a16="http://schemas.microsoft.com/office/drawing/2014/main" id="{59A10A24-CFEE-42BD-B939-C1E4C979776B}"/>
+              </a:ext>
+            </a:extLst>
+          </p:cNvPr>
+          <p:cNvSpPr txBox="1"/>
+          <p:nvPr/>
+        </p:nvSpPr>
+        <p:spPr>
+          <a:xfrm>
+            <a:off x="5142276" y="2405687"/>
+            <a:ext cx="3023369" cy="292388"/>
+          </a:xfrm>
+          <a:prstGeom prst="rect">
+            <a:avLst/>
+          </a:prstGeom>
+          <a:noFill/>
+        </p:spPr>
+        <p:txBody>
+          <a:bodyPr wrap="square" rtlCol="0">
+            <a:spAutoFit/>
+          </a:bodyPr>
+          <a:lstStyle/>
+          <a:p>
+            <a:r>
+              <a:rPr lang="en-US" sz="1300" dirty="0" err="1"/>
+              <a:t>Levenshtein</a:t>
+            </a:r>
+            <a:r>
+              <a:rPr lang="en-US" sz="1300" dirty="0"/>
+              <a:t> Distance for scoring </a:t>
+            </a:r>
+          </a:p>
+        </p:txBody>
+      </p:sp>
+      <p:cxnSp>
+        <p:nvCxnSpPr>
+          <p:cNvPr id="19" name="Straight Arrow Connector 18">
+            <a:extLst>
+              <a:ext uri="{FF2B5EF4-FFF2-40B4-BE49-F238E27FC236}">
+                <a16:creationId xmlns:a16="http://schemas.microsoft.com/office/drawing/2014/main" id="{3B967194-E4A1-4A1E-998B-0C7D582B2070}"/>
+              </a:ext>
+            </a:extLst>
+          </p:cNvPr>
+          <p:cNvCxnSpPr>
+            <a:cxnSpLocks/>
+          </p:cNvCxnSpPr>
+          <p:nvPr/>
+        </p:nvCxnSpPr>
+        <p:spPr>
+          <a:xfrm flipH="1">
             <a:off x="4822371" y="2731654"/>
             <a:ext cx="305073" cy="0"/>
           </a:xfrm>
@@ -2356,10 +2834,10 @@
       </p:cxnSp>
       <p:sp>
         <p:nvSpPr>
-          <p:cNvPr id="10" name="TextBox 9">
-            <a:extLst>
-              <a:ext uri="{FF2B5EF4-FFF2-40B4-BE49-F238E27FC236}">
-                <a16:creationId xmlns:a16="http://schemas.microsoft.com/office/drawing/2014/main" id="{A6994E22-452C-4F6A-9847-4D8614B7EC28}"/>
+          <p:cNvPr id="20" name="TextBox 19">
+            <a:extLst>
+              <a:ext uri="{FF2B5EF4-FFF2-40B4-BE49-F238E27FC236}">
+                <a16:creationId xmlns:a16="http://schemas.microsoft.com/office/drawing/2014/main" id="{CB8118E8-5245-4E3B-979E-4E25EF0422E4}"/>
               </a:ext>
             </a:extLst>
           </p:cNvPr>
@@ -2369,7 +2847,7 @@
         <p:spPr>
           <a:xfrm>
             <a:off x="5142276" y="2571910"/>
-            <a:ext cx="3023369" cy="307777"/>
+            <a:ext cx="3023369" cy="292388"/>
           </a:xfrm>
           <a:prstGeom prst="rect">
             <a:avLst/>
@@ -2383,12 +2861,28 @@
           <a:lstStyle/>
           <a:p>
             <a:r>
-              <a:rPr lang="en-US" sz="1400" dirty="0">
+              <a:rPr lang="en-US" sz="1300" dirty="0">
                 <a:solidFill>
                   <a:srgbClr val="C00000"/>
                 </a:solidFill>
               </a:rPr>
-              <a:t>Flag Outliers?</a:t>
+              <a:t>Flag Outliers? (± 3 </a:t>
+            </a:r>
+            <a:r>
+              <a:rPr lang="en-US" sz="1300" i="1" dirty="0" err="1">
+                <a:solidFill>
+                  <a:srgbClr val="C00000"/>
+                </a:solidFill>
+              </a:rPr>
+              <a:t>sd</a:t>
+            </a:r>
+            <a:r>
+              <a:rPr lang="en-US" sz="1300" dirty="0">
+                <a:solidFill>
+                  <a:srgbClr val="C00000"/>
+                </a:solidFill>
+              </a:rPr>
+              <a:t>)</a:t>
             </a:r>
           </a:p>
         </p:txBody>
@@ -2396,7 +2890,7 @@
     </p:spTree>
     <p:extLst>
       <p:ext uri="{BB962C8B-B14F-4D97-AF65-F5344CB8AC3E}">
-        <p14:creationId xmlns:p14="http://schemas.microsoft.com/office/powerpoint/2010/main" val="3608584549"/>
+        <p14:creationId xmlns:p14="http://schemas.microsoft.com/office/powerpoint/2010/main" val="3630510129"/>
       </p:ext>
     </p:extLst>
   </p:cSld>
@@ -2551,7 +3045,572 @@
         </p:nvCxnSpPr>
         <p:spPr>
           <a:xfrm flipH="1">
-            <a:off x="4822371" y="2879702"/>
+            <a:off x="4837204" y="1841297"/>
+            <a:ext cx="305073" cy="0"/>
+          </a:xfrm>
+          <a:prstGeom prst="straightConnector1">
+            <a:avLst/>
+          </a:prstGeom>
+          <a:ln w="28575">
+            <a:solidFill>
+              <a:schemeClr val="tx1"/>
+            </a:solidFill>
+            <a:tailEnd type="triangle"/>
+          </a:ln>
+        </p:spPr>
+        <p:style>
+          <a:lnRef idx="1">
+            <a:schemeClr val="accent1"/>
+          </a:lnRef>
+          <a:fillRef idx="0">
+            <a:schemeClr val="accent1"/>
+          </a:fillRef>
+          <a:effectRef idx="0">
+            <a:schemeClr val="accent1"/>
+          </a:effectRef>
+          <a:fontRef idx="minor">
+            <a:schemeClr val="tx1"/>
+          </a:fontRef>
+        </p:style>
+      </p:cxnSp>
+      <p:sp>
+        <p:nvSpPr>
+          <p:cNvPr id="10" name="TextBox 9">
+            <a:extLst>
+              <a:ext uri="{FF2B5EF4-FFF2-40B4-BE49-F238E27FC236}">
+                <a16:creationId xmlns:a16="http://schemas.microsoft.com/office/drawing/2014/main" id="{A6994E22-452C-4F6A-9847-4D8614B7EC28}"/>
+              </a:ext>
+            </a:extLst>
+          </p:cNvPr>
+          <p:cNvSpPr txBox="1"/>
+          <p:nvPr/>
+        </p:nvSpPr>
+        <p:spPr>
+          <a:xfrm>
+            <a:off x="5142277" y="1662039"/>
+            <a:ext cx="2490652" cy="292388"/>
+          </a:xfrm>
+          <a:prstGeom prst="rect">
+            <a:avLst/>
+          </a:prstGeom>
+          <a:noFill/>
+        </p:spPr>
+        <p:txBody>
+          <a:bodyPr wrap="square" rtlCol="0">
+            <a:spAutoFit/>
+          </a:bodyPr>
+          <a:lstStyle/>
+          <a:p>
+            <a:r>
+              <a:rPr lang="en-US" sz="1300" dirty="0"/>
+              <a:t>Response column</a:t>
+            </a:r>
+          </a:p>
+        </p:txBody>
+      </p:sp>
+      <p:cxnSp>
+        <p:nvCxnSpPr>
+          <p:cNvPr id="7" name="Straight Arrow Connector 6">
+            <a:extLst>
+              <a:ext uri="{FF2B5EF4-FFF2-40B4-BE49-F238E27FC236}">
+                <a16:creationId xmlns:a16="http://schemas.microsoft.com/office/drawing/2014/main" id="{85E0E4A9-4D18-401C-8776-ED3B4560BEC8}"/>
+              </a:ext>
+            </a:extLst>
+          </p:cNvPr>
+          <p:cNvCxnSpPr>
+            <a:cxnSpLocks/>
+          </p:cNvCxnSpPr>
+          <p:nvPr/>
+        </p:nvCxnSpPr>
+        <p:spPr>
+          <a:xfrm flipH="1">
+            <a:off x="4822371" y="1994427"/>
+            <a:ext cx="305073" cy="0"/>
+          </a:xfrm>
+          <a:prstGeom prst="straightConnector1">
+            <a:avLst/>
+          </a:prstGeom>
+          <a:ln w="28575">
+            <a:solidFill>
+              <a:schemeClr val="tx1"/>
+            </a:solidFill>
+            <a:tailEnd type="triangle"/>
+          </a:ln>
+        </p:spPr>
+        <p:style>
+          <a:lnRef idx="1">
+            <a:schemeClr val="accent1"/>
+          </a:lnRef>
+          <a:fillRef idx="0">
+            <a:schemeClr val="accent1"/>
+          </a:fillRef>
+          <a:effectRef idx="0">
+            <a:schemeClr val="accent1"/>
+          </a:effectRef>
+          <a:fontRef idx="minor">
+            <a:schemeClr val="tx1"/>
+          </a:fontRef>
+        </p:style>
+      </p:cxnSp>
+      <p:sp>
+        <p:nvSpPr>
+          <p:cNvPr id="9" name="TextBox 8">
+            <a:extLst>
+              <a:ext uri="{FF2B5EF4-FFF2-40B4-BE49-F238E27FC236}">
+                <a16:creationId xmlns:a16="http://schemas.microsoft.com/office/drawing/2014/main" id="{BE682E5D-D265-4180-B13E-5DB5678D75EF}"/>
+              </a:ext>
+            </a:extLst>
+          </p:cNvPr>
+          <p:cNvSpPr txBox="1"/>
+          <p:nvPr/>
+        </p:nvSpPr>
+        <p:spPr>
+          <a:xfrm>
+            <a:off x="5142277" y="1834703"/>
+            <a:ext cx="2490652" cy="292388"/>
+          </a:xfrm>
+          <a:prstGeom prst="rect">
+            <a:avLst/>
+          </a:prstGeom>
+          <a:noFill/>
+        </p:spPr>
+        <p:txBody>
+          <a:bodyPr wrap="square" rtlCol="0">
+            <a:spAutoFit/>
+          </a:bodyPr>
+          <a:lstStyle/>
+          <a:p>
+            <a:r>
+              <a:rPr lang="en-US" sz="1300" dirty="0"/>
+              <a:t>Answer key column</a:t>
+            </a:r>
+          </a:p>
+        </p:txBody>
+      </p:sp>
+      <p:cxnSp>
+        <p:nvCxnSpPr>
+          <p:cNvPr id="11" name="Straight Arrow Connector 10">
+            <a:extLst>
+              <a:ext uri="{FF2B5EF4-FFF2-40B4-BE49-F238E27FC236}">
+                <a16:creationId xmlns:a16="http://schemas.microsoft.com/office/drawing/2014/main" id="{79BCC449-646D-4CFB-A4F3-9CD51AD11C4B}"/>
+              </a:ext>
+            </a:extLst>
+          </p:cNvPr>
+          <p:cNvCxnSpPr>
+            <a:cxnSpLocks/>
+          </p:cNvCxnSpPr>
+          <p:nvPr/>
+        </p:nvCxnSpPr>
+        <p:spPr>
+          <a:xfrm flipH="1">
+            <a:off x="4822371" y="2150431"/>
+            <a:ext cx="305073" cy="0"/>
+          </a:xfrm>
+          <a:prstGeom prst="straightConnector1">
+            <a:avLst/>
+          </a:prstGeom>
+          <a:ln w="28575">
+            <a:solidFill>
+              <a:schemeClr val="tx1"/>
+            </a:solidFill>
+            <a:tailEnd type="triangle"/>
+          </a:ln>
+        </p:spPr>
+        <p:style>
+          <a:lnRef idx="1">
+            <a:schemeClr val="accent1"/>
+          </a:lnRef>
+          <a:fillRef idx="0">
+            <a:schemeClr val="accent1"/>
+          </a:fillRef>
+          <a:effectRef idx="0">
+            <a:schemeClr val="accent1"/>
+          </a:effectRef>
+          <a:fontRef idx="minor">
+            <a:schemeClr val="tx1"/>
+          </a:fontRef>
+        </p:style>
+      </p:cxnSp>
+      <p:sp>
+        <p:nvSpPr>
+          <p:cNvPr id="12" name="TextBox 11">
+            <a:extLst>
+              <a:ext uri="{FF2B5EF4-FFF2-40B4-BE49-F238E27FC236}">
+                <a16:creationId xmlns:a16="http://schemas.microsoft.com/office/drawing/2014/main" id="{C71559D6-BE9B-47D1-8B2A-3B2FBA485A38}"/>
+              </a:ext>
+            </a:extLst>
+          </p:cNvPr>
+          <p:cNvSpPr txBox="1"/>
+          <p:nvPr/>
+        </p:nvSpPr>
+        <p:spPr>
+          <a:xfrm>
+            <a:off x="5127444" y="1973836"/>
+            <a:ext cx="2490652" cy="292388"/>
+          </a:xfrm>
+          <a:prstGeom prst="rect">
+            <a:avLst/>
+          </a:prstGeom>
+          <a:noFill/>
+        </p:spPr>
+        <p:txBody>
+          <a:bodyPr wrap="square" rtlCol="0">
+            <a:spAutoFit/>
+          </a:bodyPr>
+          <a:lstStyle/>
+          <a:p>
+            <a:r>
+              <a:rPr lang="en-US" sz="1300" dirty="0"/>
+              <a:t>Item number for answer key</a:t>
+            </a:r>
+          </a:p>
+        </p:txBody>
+      </p:sp>
+      <p:cxnSp>
+        <p:nvCxnSpPr>
+          <p:cNvPr id="13" name="Straight Arrow Connector 12">
+            <a:extLst>
+              <a:ext uri="{FF2B5EF4-FFF2-40B4-BE49-F238E27FC236}">
+                <a16:creationId xmlns:a16="http://schemas.microsoft.com/office/drawing/2014/main" id="{4199D197-D693-497D-9FC8-2BA42ADDE06A}"/>
+              </a:ext>
+            </a:extLst>
+          </p:cNvPr>
+          <p:cNvCxnSpPr>
+            <a:cxnSpLocks/>
+          </p:cNvCxnSpPr>
+          <p:nvPr/>
+        </p:nvCxnSpPr>
+        <p:spPr>
+          <a:xfrm flipH="1">
+            <a:off x="4837204" y="2283340"/>
+            <a:ext cx="305073" cy="0"/>
+          </a:xfrm>
+          <a:prstGeom prst="straightConnector1">
+            <a:avLst/>
+          </a:prstGeom>
+          <a:ln w="28575">
+            <a:solidFill>
+              <a:schemeClr val="tx1"/>
+            </a:solidFill>
+            <a:tailEnd type="triangle"/>
+          </a:ln>
+        </p:spPr>
+        <p:style>
+          <a:lnRef idx="1">
+            <a:schemeClr val="accent1"/>
+          </a:lnRef>
+          <a:fillRef idx="0">
+            <a:schemeClr val="accent1"/>
+          </a:fillRef>
+          <a:effectRef idx="0">
+            <a:schemeClr val="accent1"/>
+          </a:effectRef>
+          <a:fontRef idx="minor">
+            <a:schemeClr val="tx1"/>
+          </a:fontRef>
+        </p:style>
+      </p:cxnSp>
+      <p:sp>
+        <p:nvSpPr>
+          <p:cNvPr id="14" name="TextBox 13">
+            <a:extLst>
+              <a:ext uri="{FF2B5EF4-FFF2-40B4-BE49-F238E27FC236}">
+                <a16:creationId xmlns:a16="http://schemas.microsoft.com/office/drawing/2014/main" id="{C34274DD-03CE-4E68-99BE-E1FC7AC987B7}"/>
+              </a:ext>
+            </a:extLst>
+          </p:cNvPr>
+          <p:cNvSpPr txBox="1"/>
+          <p:nvPr/>
+        </p:nvSpPr>
+        <p:spPr>
+          <a:xfrm>
+            <a:off x="5133256" y="2113371"/>
+            <a:ext cx="2490652" cy="292388"/>
+          </a:xfrm>
+          <a:prstGeom prst="rect">
+            <a:avLst/>
+          </a:prstGeom>
+          <a:noFill/>
+        </p:spPr>
+        <p:txBody>
+          <a:bodyPr wrap="square" rtlCol="0">
+            <a:spAutoFit/>
+          </a:bodyPr>
+          <a:lstStyle/>
+          <a:p>
+            <a:r>
+              <a:rPr lang="en-US" sz="1300" dirty="0"/>
+              <a:t>Participant Identifier</a:t>
+            </a:r>
+          </a:p>
+        </p:txBody>
+      </p:sp>
+      <p:cxnSp>
+        <p:nvCxnSpPr>
+          <p:cNvPr id="15" name="Straight Arrow Connector 14">
+            <a:extLst>
+              <a:ext uri="{FF2B5EF4-FFF2-40B4-BE49-F238E27FC236}">
+                <a16:creationId xmlns:a16="http://schemas.microsoft.com/office/drawing/2014/main" id="{84EFCC8E-3358-40A0-AAA0-9E60599A1193}"/>
+              </a:ext>
+            </a:extLst>
+          </p:cNvPr>
+          <p:cNvCxnSpPr>
+            <a:cxnSpLocks/>
+          </p:cNvCxnSpPr>
+          <p:nvPr/>
+        </p:nvCxnSpPr>
+        <p:spPr>
+          <a:xfrm flipH="1">
+            <a:off x="4822371" y="2437067"/>
+            <a:ext cx="305073" cy="0"/>
+          </a:xfrm>
+          <a:prstGeom prst="straightConnector1">
+            <a:avLst/>
+          </a:prstGeom>
+          <a:ln w="28575">
+            <a:solidFill>
+              <a:schemeClr val="tx1"/>
+            </a:solidFill>
+            <a:tailEnd type="triangle"/>
+          </a:ln>
+        </p:spPr>
+        <p:style>
+          <a:lnRef idx="1">
+            <a:schemeClr val="accent1"/>
+          </a:lnRef>
+          <a:fillRef idx="0">
+            <a:schemeClr val="accent1"/>
+          </a:fillRef>
+          <a:effectRef idx="0">
+            <a:schemeClr val="accent1"/>
+          </a:effectRef>
+          <a:fontRef idx="minor">
+            <a:schemeClr val="tx1"/>
+          </a:fontRef>
+        </p:style>
+      </p:cxnSp>
+      <p:sp>
+        <p:nvSpPr>
+          <p:cNvPr id="16" name="TextBox 15">
+            <a:extLst>
+              <a:ext uri="{FF2B5EF4-FFF2-40B4-BE49-F238E27FC236}">
+                <a16:creationId xmlns:a16="http://schemas.microsoft.com/office/drawing/2014/main" id="{143C16A8-FD6C-40BE-9286-9A33916D7295}"/>
+              </a:ext>
+            </a:extLst>
+          </p:cNvPr>
+          <p:cNvSpPr txBox="1"/>
+          <p:nvPr/>
+        </p:nvSpPr>
+        <p:spPr>
+          <a:xfrm>
+            <a:off x="5127444" y="2267438"/>
+            <a:ext cx="2490652" cy="292388"/>
+          </a:xfrm>
+          <a:prstGeom prst="rect">
+            <a:avLst/>
+          </a:prstGeom>
+          <a:noFill/>
+        </p:spPr>
+        <p:txBody>
+          <a:bodyPr wrap="square" rtlCol="0">
+            <a:spAutoFit/>
+          </a:bodyPr>
+          <a:lstStyle/>
+          <a:p>
+            <a:r>
+              <a:rPr lang="en-US" sz="1300" dirty="0"/>
+              <a:t>Item number for study pairs</a:t>
+            </a:r>
+          </a:p>
+        </p:txBody>
+      </p:sp>
+      <p:cxnSp>
+        <p:nvCxnSpPr>
+          <p:cNvPr id="17" name="Straight Arrow Connector 16">
+            <a:extLst>
+              <a:ext uri="{FF2B5EF4-FFF2-40B4-BE49-F238E27FC236}">
+                <a16:creationId xmlns:a16="http://schemas.microsoft.com/office/drawing/2014/main" id="{34546FBD-9A0F-4AC8-828E-F50717DEAD90}"/>
+              </a:ext>
+            </a:extLst>
+          </p:cNvPr>
+          <p:cNvCxnSpPr>
+            <a:cxnSpLocks/>
+          </p:cNvCxnSpPr>
+          <p:nvPr/>
+        </p:nvCxnSpPr>
+        <p:spPr>
+          <a:xfrm flipH="1">
+            <a:off x="4822371" y="2574894"/>
+            <a:ext cx="305073" cy="0"/>
+          </a:xfrm>
+          <a:prstGeom prst="straightConnector1">
+            <a:avLst/>
+          </a:prstGeom>
+          <a:ln w="28575">
+            <a:solidFill>
+              <a:schemeClr val="tx1"/>
+            </a:solidFill>
+            <a:tailEnd type="triangle"/>
+          </a:ln>
+        </p:spPr>
+        <p:style>
+          <a:lnRef idx="1">
+            <a:schemeClr val="accent1"/>
+          </a:lnRef>
+          <a:fillRef idx="0">
+            <a:schemeClr val="accent1"/>
+          </a:fillRef>
+          <a:effectRef idx="0">
+            <a:schemeClr val="accent1"/>
+          </a:effectRef>
+          <a:fontRef idx="minor">
+            <a:schemeClr val="tx1"/>
+          </a:fontRef>
+        </p:style>
+      </p:cxnSp>
+      <p:sp>
+        <p:nvSpPr>
+          <p:cNvPr id="18" name="TextBox 17">
+            <a:extLst>
+              <a:ext uri="{FF2B5EF4-FFF2-40B4-BE49-F238E27FC236}">
+                <a16:creationId xmlns:a16="http://schemas.microsoft.com/office/drawing/2014/main" id="{59A10A24-CFEE-42BD-B939-C1E4C979776B}"/>
+              </a:ext>
+            </a:extLst>
+          </p:cNvPr>
+          <p:cNvSpPr txBox="1"/>
+          <p:nvPr/>
+        </p:nvSpPr>
+        <p:spPr>
+          <a:xfrm>
+            <a:off x="5142276" y="2405687"/>
+            <a:ext cx="3023369" cy="292388"/>
+          </a:xfrm>
+          <a:prstGeom prst="rect">
+            <a:avLst/>
+          </a:prstGeom>
+          <a:noFill/>
+        </p:spPr>
+        <p:txBody>
+          <a:bodyPr wrap="square" rtlCol="0">
+            <a:spAutoFit/>
+          </a:bodyPr>
+          <a:lstStyle/>
+          <a:p>
+            <a:r>
+              <a:rPr lang="en-US" sz="1300" dirty="0" err="1"/>
+              <a:t>Levenshtein</a:t>
+            </a:r>
+            <a:r>
+              <a:rPr lang="en-US" sz="1300" dirty="0"/>
+              <a:t> Distance for scoring </a:t>
+            </a:r>
+          </a:p>
+        </p:txBody>
+      </p:sp>
+      <p:cxnSp>
+        <p:nvCxnSpPr>
+          <p:cNvPr id="19" name="Straight Arrow Connector 18">
+            <a:extLst>
+              <a:ext uri="{FF2B5EF4-FFF2-40B4-BE49-F238E27FC236}">
+                <a16:creationId xmlns:a16="http://schemas.microsoft.com/office/drawing/2014/main" id="{3B967194-E4A1-4A1E-998B-0C7D582B2070}"/>
+              </a:ext>
+            </a:extLst>
+          </p:cNvPr>
+          <p:cNvCxnSpPr>
+            <a:cxnSpLocks/>
+          </p:cNvCxnSpPr>
+          <p:nvPr/>
+        </p:nvCxnSpPr>
+        <p:spPr>
+          <a:xfrm flipH="1">
+            <a:off x="4822371" y="2731654"/>
+            <a:ext cx="305073" cy="0"/>
+          </a:xfrm>
+          <a:prstGeom prst="straightConnector1">
+            <a:avLst/>
+          </a:prstGeom>
+          <a:ln w="28575">
+            <a:solidFill>
+              <a:schemeClr val="tx1"/>
+            </a:solidFill>
+            <a:tailEnd type="triangle"/>
+          </a:ln>
+        </p:spPr>
+        <p:style>
+          <a:lnRef idx="1">
+            <a:schemeClr val="accent1"/>
+          </a:lnRef>
+          <a:fillRef idx="0">
+            <a:schemeClr val="accent1"/>
+          </a:fillRef>
+          <a:effectRef idx="0">
+            <a:schemeClr val="accent1"/>
+          </a:effectRef>
+          <a:fontRef idx="minor">
+            <a:schemeClr val="tx1"/>
+          </a:fontRef>
+        </p:style>
+      </p:cxnSp>
+      <p:sp>
+        <p:nvSpPr>
+          <p:cNvPr id="20" name="TextBox 19">
+            <a:extLst>
+              <a:ext uri="{FF2B5EF4-FFF2-40B4-BE49-F238E27FC236}">
+                <a16:creationId xmlns:a16="http://schemas.microsoft.com/office/drawing/2014/main" id="{CB8118E8-5245-4E3B-979E-4E25EF0422E4}"/>
+              </a:ext>
+            </a:extLst>
+          </p:cNvPr>
+          <p:cNvSpPr txBox="1"/>
+          <p:nvPr/>
+        </p:nvSpPr>
+        <p:spPr>
+          <a:xfrm>
+            <a:off x="5142276" y="2571910"/>
+            <a:ext cx="3023369" cy="292388"/>
+          </a:xfrm>
+          <a:prstGeom prst="rect">
+            <a:avLst/>
+          </a:prstGeom>
+          <a:noFill/>
+        </p:spPr>
+        <p:txBody>
+          <a:bodyPr wrap="square" rtlCol="0">
+            <a:spAutoFit/>
+          </a:bodyPr>
+          <a:lstStyle/>
+          <a:p>
+            <a:r>
+              <a:rPr lang="en-US" sz="1300" dirty="0"/>
+              <a:t>Flag Outliers? (± 3 </a:t>
+            </a:r>
+            <a:r>
+              <a:rPr lang="en-US" sz="1300" i="1" dirty="0" err="1"/>
+              <a:t>sd</a:t>
+            </a:r>
+            <a:r>
+              <a:rPr lang="en-US" sz="1300" dirty="0"/>
+              <a:t>)</a:t>
+            </a:r>
+          </a:p>
+        </p:txBody>
+      </p:sp>
+      <p:cxnSp>
+        <p:nvCxnSpPr>
+          <p:cNvPr id="21" name="Straight Arrow Connector 20">
+            <a:extLst>
+              <a:ext uri="{FF2B5EF4-FFF2-40B4-BE49-F238E27FC236}">
+                <a16:creationId xmlns:a16="http://schemas.microsoft.com/office/drawing/2014/main" id="{A5B7D370-B4BF-43FB-B06D-FEDDC9D58793}"/>
+              </a:ext>
+            </a:extLst>
+          </p:cNvPr>
+          <p:cNvCxnSpPr>
+            <a:cxnSpLocks/>
+          </p:cNvCxnSpPr>
+          <p:nvPr/>
+        </p:nvCxnSpPr>
+        <p:spPr>
+          <a:xfrm flipH="1">
+            <a:off x="4822371" y="2887653"/>
             <a:ext cx="305073" cy="0"/>
           </a:xfrm>
           <a:prstGeom prst="straightConnector1">
@@ -2581,10 +3640,10 @@
       </p:cxnSp>
       <p:sp>
         <p:nvSpPr>
-          <p:cNvPr id="10" name="TextBox 9">
-            <a:extLst>
-              <a:ext uri="{FF2B5EF4-FFF2-40B4-BE49-F238E27FC236}">
-                <a16:creationId xmlns:a16="http://schemas.microsoft.com/office/drawing/2014/main" id="{A6994E22-452C-4F6A-9847-4D8614B7EC28}"/>
+          <p:cNvPr id="22" name="TextBox 21">
+            <a:extLst>
+              <a:ext uri="{FF2B5EF4-FFF2-40B4-BE49-F238E27FC236}">
+                <a16:creationId xmlns:a16="http://schemas.microsoft.com/office/drawing/2014/main" id="{1E9ADC6E-7836-4448-A5A7-FE741C84243B}"/>
               </a:ext>
             </a:extLst>
           </p:cNvPr>
@@ -2593,8 +3652,8 @@
         </p:nvSpPr>
         <p:spPr>
           <a:xfrm>
-            <a:off x="5142276" y="2702542"/>
-            <a:ext cx="3023369" cy="523220"/>
+            <a:off x="5142276" y="2718444"/>
+            <a:ext cx="3580305" cy="292388"/>
           </a:xfrm>
           <a:prstGeom prst="rect">
             <a:avLst/>
@@ -2608,7 +3667,7 @@
           <a:lstStyle/>
           <a:p>
             <a:r>
-              <a:rPr lang="en-US" sz="1400" dirty="0">
+              <a:rPr lang="en-US" sz="1300" dirty="0">
                 <a:solidFill>
                   <a:srgbClr val="C00000"/>
                 </a:solidFill>
@@ -2621,7 +3680,7 @@
     </p:spTree>
     <p:extLst>
       <p:ext uri="{BB962C8B-B14F-4D97-AF65-F5344CB8AC3E}">
-        <p14:creationId xmlns:p14="http://schemas.microsoft.com/office/powerpoint/2010/main" val="1236566855"/>
+        <p14:creationId xmlns:p14="http://schemas.microsoft.com/office/powerpoint/2010/main" val="55113029"/>
       </p:ext>
     </p:extLst>
   </p:cSld>
@@ -3091,8 +4150,8 @@
         </p:nvSpPr>
         <p:spPr>
           <a:xfrm>
-            <a:off x="5211173" y="1569523"/>
-            <a:ext cx="3023369" cy="523220"/>
+            <a:off x="5046708" y="1620233"/>
+            <a:ext cx="3023369" cy="292388"/>
           </a:xfrm>
           <a:prstGeom prst="rect">
             <a:avLst/>
@@ -3106,7 +4165,7 @@
           <a:lstStyle/>
           <a:p>
             <a:r>
-              <a:rPr lang="en-US" sz="1400" dirty="0">
+              <a:rPr lang="en-US" sz="1300" dirty="0">
                 <a:solidFill>
                   <a:srgbClr val="C00000"/>
                 </a:solidFill>
@@ -3119,7 +4178,7 @@
     </p:spTree>
     <p:extLst>
       <p:ext uri="{BB962C8B-B14F-4D97-AF65-F5344CB8AC3E}">
-        <p14:creationId xmlns:p14="http://schemas.microsoft.com/office/powerpoint/2010/main" val="1391467916"/>
+        <p14:creationId xmlns:p14="http://schemas.microsoft.com/office/powerpoint/2010/main" val="4077136489"/>
       </p:ext>
     </p:extLst>
   </p:cSld>
@@ -3375,6 +4434,85 @@
         </p:nvCxnSpPr>
         <p:spPr>
           <a:xfrm flipH="1">
+            <a:off x="4733444" y="1774471"/>
+            <a:ext cx="305073" cy="0"/>
+          </a:xfrm>
+          <a:prstGeom prst="straightConnector1">
+            <a:avLst/>
+          </a:prstGeom>
+          <a:ln w="28575">
+            <a:solidFill>
+              <a:schemeClr val="tx1"/>
+            </a:solidFill>
+            <a:tailEnd type="triangle"/>
+          </a:ln>
+        </p:spPr>
+        <p:style>
+          <a:lnRef idx="1">
+            <a:schemeClr val="accent1"/>
+          </a:lnRef>
+          <a:fillRef idx="0">
+            <a:schemeClr val="accent1"/>
+          </a:fillRef>
+          <a:effectRef idx="0">
+            <a:schemeClr val="accent1"/>
+          </a:effectRef>
+          <a:fontRef idx="minor">
+            <a:schemeClr val="tx1"/>
+          </a:fontRef>
+        </p:style>
+      </p:cxnSp>
+      <p:sp>
+        <p:nvSpPr>
+          <p:cNvPr id="7" name="TextBox 6">
+            <a:extLst>
+              <a:ext uri="{FF2B5EF4-FFF2-40B4-BE49-F238E27FC236}">
+                <a16:creationId xmlns:a16="http://schemas.microsoft.com/office/drawing/2014/main" id="{F427E152-248E-4A77-A3F6-E8F37DB71E1D}"/>
+              </a:ext>
+            </a:extLst>
+          </p:cNvPr>
+          <p:cNvSpPr txBox="1"/>
+          <p:nvPr/>
+        </p:nvSpPr>
+        <p:spPr>
+          <a:xfrm>
+            <a:off x="5046708" y="1620233"/>
+            <a:ext cx="3023369" cy="292388"/>
+          </a:xfrm>
+          <a:prstGeom prst="rect">
+            <a:avLst/>
+          </a:prstGeom>
+          <a:noFill/>
+        </p:spPr>
+        <p:txBody>
+          <a:bodyPr wrap="square" rtlCol="0">
+            <a:spAutoFit/>
+          </a:bodyPr>
+          <a:lstStyle/>
+          <a:p>
+            <a:r>
+              <a:rPr lang="en-US" sz="1300" dirty="0"/>
+              <a:t>Note: Data will need to be in long format!</a:t>
+            </a:r>
+          </a:p>
+        </p:txBody>
+      </p:sp>
+      <p:cxnSp>
+        <p:nvCxnSpPr>
+          <p:cNvPr id="8" name="Straight Arrow Connector 7">
+            <a:extLst>
+              <a:ext uri="{FF2B5EF4-FFF2-40B4-BE49-F238E27FC236}">
+                <a16:creationId xmlns:a16="http://schemas.microsoft.com/office/drawing/2014/main" id="{FF6A8DD0-CE24-4A96-8718-3F2CDB80AFB2}"/>
+              </a:ext>
+            </a:extLst>
+          </p:cNvPr>
+          <p:cNvCxnSpPr>
+            <a:cxnSpLocks/>
+          </p:cNvCxnSpPr>
+          <p:nvPr/>
+        </p:nvCxnSpPr>
+        <p:spPr>
+          <a:xfrm flipH="1">
             <a:off x="5214912" y="2092743"/>
             <a:ext cx="305073" cy="0"/>
           </a:xfrm>
@@ -3405,10 +4543,10 @@
       </p:cxnSp>
       <p:sp>
         <p:nvSpPr>
-          <p:cNvPr id="7" name="TextBox 6">
-            <a:extLst>
-              <a:ext uri="{FF2B5EF4-FFF2-40B4-BE49-F238E27FC236}">
-                <a16:creationId xmlns:a16="http://schemas.microsoft.com/office/drawing/2014/main" id="{F427E152-248E-4A77-A3F6-E8F37DB71E1D}"/>
+          <p:cNvPr id="9" name="TextBox 8">
+            <a:extLst>
+              <a:ext uri="{FF2B5EF4-FFF2-40B4-BE49-F238E27FC236}">
+                <a16:creationId xmlns:a16="http://schemas.microsoft.com/office/drawing/2014/main" id="{02A613A3-DB23-4485-A1F5-1CF927AEB5AC}"/>
               </a:ext>
             </a:extLst>
           </p:cNvPr>
@@ -3417,8 +4555,8 @@
         </p:nvSpPr>
         <p:spPr>
           <a:xfrm>
-            <a:off x="5589268" y="1817698"/>
-            <a:ext cx="3023369" cy="523220"/>
+            <a:off x="5519985" y="1933114"/>
+            <a:ext cx="3689904" cy="292388"/>
           </a:xfrm>
           <a:prstGeom prst="rect">
             <a:avLst/>
@@ -3432,7 +4570,7 @@
           <a:lstStyle/>
           <a:p>
             <a:r>
-              <a:rPr lang="en-US" sz="1400" dirty="0">
+              <a:rPr lang="en-US" sz="1300" dirty="0">
                 <a:solidFill>
                   <a:srgbClr val="C00000"/>
                 </a:solidFill>
@@ -3440,25 +4578,28 @@
               <a:t>Answer key can be stored in a different </a:t>
             </a:r>
             <a:r>
-              <a:rPr lang="en-US" sz="1400">
+              <a:rPr lang="en-US" sz="1300" dirty="0" err="1">
                 <a:solidFill>
                   <a:srgbClr val="C00000"/>
                 </a:solidFill>
               </a:rPr>
-              <a:t>dataframe.</a:t>
-            </a:r>
-            <a:endParaRPr lang="en-US" sz="1400" dirty="0">
-              <a:solidFill>
-                <a:srgbClr val="C00000"/>
-              </a:solidFill>
-            </a:endParaRPr>
+              <a:t>dataframe</a:t>
+            </a:r>
+            <a:r>
+              <a:rPr lang="en-US" sz="1300" dirty="0">
+                <a:solidFill>
+                  <a:srgbClr val="C00000"/>
+                </a:solidFill>
+              </a:rPr>
+              <a:t>.</a:t>
+            </a:r>
           </a:p>
         </p:txBody>
       </p:sp>
     </p:spTree>
     <p:extLst>
       <p:ext uri="{BB962C8B-B14F-4D97-AF65-F5344CB8AC3E}">
-        <p14:creationId xmlns:p14="http://schemas.microsoft.com/office/powerpoint/2010/main" val="1568217833"/>
+        <p14:creationId xmlns:p14="http://schemas.microsoft.com/office/powerpoint/2010/main" val="3081542802"/>
       </p:ext>
     </p:extLst>
   </p:cSld>
@@ -5509,7 +6650,7 @@
         </p:nvCxnSpPr>
         <p:spPr>
           <a:xfrm flipH="1">
-            <a:off x="4837204" y="1881052"/>
+            <a:off x="4837204" y="1841297"/>
             <a:ext cx="305073" cy="0"/>
           </a:xfrm>
           <a:prstGeom prst="straightConnector1">
@@ -5551,8 +6692,8 @@
         </p:nvSpPr>
         <p:spPr>
           <a:xfrm>
-            <a:off x="5142277" y="1709745"/>
-            <a:ext cx="2490652" cy="307777"/>
+            <a:off x="5142277" y="1662039"/>
+            <a:ext cx="2490652" cy="292388"/>
           </a:xfrm>
           <a:prstGeom prst="rect">
             <a:avLst/>
@@ -5566,7 +6707,7 @@
           <a:lstStyle/>
           <a:p>
             <a:r>
-              <a:rPr lang="en-US" sz="1400" dirty="0">
+              <a:rPr lang="en-US" sz="1300" dirty="0">
                 <a:solidFill>
                   <a:srgbClr val="C00000"/>
                 </a:solidFill>
@@ -5579,7 +6720,7 @@
     </p:spTree>
     <p:extLst>
       <p:ext uri="{BB962C8B-B14F-4D97-AF65-F5344CB8AC3E}">
-        <p14:creationId xmlns:p14="http://schemas.microsoft.com/office/powerpoint/2010/main" val="1233095918"/>
+        <p14:creationId xmlns:p14="http://schemas.microsoft.com/office/powerpoint/2010/main" val="1781220187"/>
       </p:ext>
     </p:extLst>
   </p:cSld>
@@ -5839,7 +6980,86 @@
         </p:nvCxnSpPr>
         <p:spPr>
           <a:xfrm flipH="1">
-            <a:off x="4822371" y="2026231"/>
+            <a:off x="4837204" y="1841297"/>
+            <a:ext cx="305073" cy="0"/>
+          </a:xfrm>
+          <a:prstGeom prst="straightConnector1">
+            <a:avLst/>
+          </a:prstGeom>
+          <a:ln w="28575">
+            <a:solidFill>
+              <a:schemeClr val="tx1"/>
+            </a:solidFill>
+            <a:tailEnd type="triangle"/>
+          </a:ln>
+        </p:spPr>
+        <p:style>
+          <a:lnRef idx="1">
+            <a:schemeClr val="accent1"/>
+          </a:lnRef>
+          <a:fillRef idx="0">
+            <a:schemeClr val="accent1"/>
+          </a:fillRef>
+          <a:effectRef idx="0">
+            <a:schemeClr val="accent1"/>
+          </a:effectRef>
+          <a:fontRef idx="minor">
+            <a:schemeClr val="tx1"/>
+          </a:fontRef>
+        </p:style>
+      </p:cxnSp>
+      <p:sp>
+        <p:nvSpPr>
+          <p:cNvPr id="10" name="TextBox 9">
+            <a:extLst>
+              <a:ext uri="{FF2B5EF4-FFF2-40B4-BE49-F238E27FC236}">
+                <a16:creationId xmlns:a16="http://schemas.microsoft.com/office/drawing/2014/main" id="{A6994E22-452C-4F6A-9847-4D8614B7EC28}"/>
+              </a:ext>
+            </a:extLst>
+          </p:cNvPr>
+          <p:cNvSpPr txBox="1"/>
+          <p:nvPr/>
+        </p:nvSpPr>
+        <p:spPr>
+          <a:xfrm>
+            <a:off x="5142277" y="1662039"/>
+            <a:ext cx="2490652" cy="292388"/>
+          </a:xfrm>
+          <a:prstGeom prst="rect">
+            <a:avLst/>
+          </a:prstGeom>
+          <a:noFill/>
+        </p:spPr>
+        <p:txBody>
+          <a:bodyPr wrap="square" rtlCol="0">
+            <a:spAutoFit/>
+          </a:bodyPr>
+          <a:lstStyle/>
+          <a:p>
+            <a:r>
+              <a:rPr lang="en-US" sz="1300" dirty="0"/>
+              <a:t>Response column</a:t>
+            </a:r>
+          </a:p>
+        </p:txBody>
+      </p:sp>
+      <p:cxnSp>
+        <p:nvCxnSpPr>
+          <p:cNvPr id="7" name="Straight Arrow Connector 6">
+            <a:extLst>
+              <a:ext uri="{FF2B5EF4-FFF2-40B4-BE49-F238E27FC236}">
+                <a16:creationId xmlns:a16="http://schemas.microsoft.com/office/drawing/2014/main" id="{85E0E4A9-4D18-401C-8776-ED3B4560BEC8}"/>
+              </a:ext>
+            </a:extLst>
+          </p:cNvPr>
+          <p:cNvCxnSpPr>
+            <a:cxnSpLocks/>
+          </p:cNvCxnSpPr>
+          <p:nvPr/>
+        </p:nvCxnSpPr>
+        <p:spPr>
+          <a:xfrm flipH="1">
+            <a:off x="4822371" y="1994427"/>
             <a:ext cx="305073" cy="0"/>
           </a:xfrm>
           <a:prstGeom prst="straightConnector1">
@@ -5869,10 +7089,10 @@
       </p:cxnSp>
       <p:sp>
         <p:nvSpPr>
-          <p:cNvPr id="10" name="TextBox 9">
-            <a:extLst>
-              <a:ext uri="{FF2B5EF4-FFF2-40B4-BE49-F238E27FC236}">
-                <a16:creationId xmlns:a16="http://schemas.microsoft.com/office/drawing/2014/main" id="{A6994E22-452C-4F6A-9847-4D8614B7EC28}"/>
+          <p:cNvPr id="9" name="TextBox 8">
+            <a:extLst>
+              <a:ext uri="{FF2B5EF4-FFF2-40B4-BE49-F238E27FC236}">
+                <a16:creationId xmlns:a16="http://schemas.microsoft.com/office/drawing/2014/main" id="{BE682E5D-D265-4180-B13E-5DB5678D75EF}"/>
               </a:ext>
             </a:extLst>
           </p:cNvPr>
@@ -5881,8 +7101,8 @@
         </p:nvSpPr>
         <p:spPr>
           <a:xfrm>
-            <a:off x="5142277" y="1866507"/>
-            <a:ext cx="2490652" cy="307777"/>
+            <a:off x="5142277" y="1834703"/>
+            <a:ext cx="2490652" cy="292388"/>
           </a:xfrm>
           <a:prstGeom prst="rect">
             <a:avLst/>
@@ -5896,12 +7116,12 @@
           <a:lstStyle/>
           <a:p>
             <a:r>
-              <a:rPr lang="en-US" sz="1400" dirty="0">
+              <a:rPr lang="en-US" sz="1300" dirty="0">
                 <a:solidFill>
                   <a:srgbClr val="C00000"/>
                 </a:solidFill>
               </a:rPr>
-              <a:t>Answer Key column</a:t>
+              <a:t>Answer key column</a:t>
             </a:r>
           </a:p>
         </p:txBody>
@@ -5909,7 +7129,7 @@
     </p:spTree>
     <p:extLst>
       <p:ext uri="{BB962C8B-B14F-4D97-AF65-F5344CB8AC3E}">
-        <p14:creationId xmlns:p14="http://schemas.microsoft.com/office/powerpoint/2010/main" val="4061556229"/>
+        <p14:creationId xmlns:p14="http://schemas.microsoft.com/office/powerpoint/2010/main" val="951391159"/>
       </p:ext>
     </p:extLst>
   </p:cSld>
@@ -6064,7 +7284,165 @@
         </p:nvCxnSpPr>
         <p:spPr>
           <a:xfrm flipH="1">
-            <a:off x="4822371" y="2174284"/>
+            <a:off x="4837204" y="1841297"/>
+            <a:ext cx="305073" cy="0"/>
+          </a:xfrm>
+          <a:prstGeom prst="straightConnector1">
+            <a:avLst/>
+          </a:prstGeom>
+          <a:ln w="28575">
+            <a:solidFill>
+              <a:schemeClr val="tx1"/>
+            </a:solidFill>
+            <a:tailEnd type="triangle"/>
+          </a:ln>
+        </p:spPr>
+        <p:style>
+          <a:lnRef idx="1">
+            <a:schemeClr val="accent1"/>
+          </a:lnRef>
+          <a:fillRef idx="0">
+            <a:schemeClr val="accent1"/>
+          </a:fillRef>
+          <a:effectRef idx="0">
+            <a:schemeClr val="accent1"/>
+          </a:effectRef>
+          <a:fontRef idx="minor">
+            <a:schemeClr val="tx1"/>
+          </a:fontRef>
+        </p:style>
+      </p:cxnSp>
+      <p:sp>
+        <p:nvSpPr>
+          <p:cNvPr id="10" name="TextBox 9">
+            <a:extLst>
+              <a:ext uri="{FF2B5EF4-FFF2-40B4-BE49-F238E27FC236}">
+                <a16:creationId xmlns:a16="http://schemas.microsoft.com/office/drawing/2014/main" id="{A6994E22-452C-4F6A-9847-4D8614B7EC28}"/>
+              </a:ext>
+            </a:extLst>
+          </p:cNvPr>
+          <p:cNvSpPr txBox="1"/>
+          <p:nvPr/>
+        </p:nvSpPr>
+        <p:spPr>
+          <a:xfrm>
+            <a:off x="5142277" y="1662039"/>
+            <a:ext cx="2490652" cy="292388"/>
+          </a:xfrm>
+          <a:prstGeom prst="rect">
+            <a:avLst/>
+          </a:prstGeom>
+          <a:noFill/>
+        </p:spPr>
+        <p:txBody>
+          <a:bodyPr wrap="square" rtlCol="0">
+            <a:spAutoFit/>
+          </a:bodyPr>
+          <a:lstStyle/>
+          <a:p>
+            <a:r>
+              <a:rPr lang="en-US" sz="1300" dirty="0"/>
+              <a:t>Response column</a:t>
+            </a:r>
+          </a:p>
+        </p:txBody>
+      </p:sp>
+      <p:cxnSp>
+        <p:nvCxnSpPr>
+          <p:cNvPr id="7" name="Straight Arrow Connector 6">
+            <a:extLst>
+              <a:ext uri="{FF2B5EF4-FFF2-40B4-BE49-F238E27FC236}">
+                <a16:creationId xmlns:a16="http://schemas.microsoft.com/office/drawing/2014/main" id="{85E0E4A9-4D18-401C-8776-ED3B4560BEC8}"/>
+              </a:ext>
+            </a:extLst>
+          </p:cNvPr>
+          <p:cNvCxnSpPr>
+            <a:cxnSpLocks/>
+          </p:cNvCxnSpPr>
+          <p:nvPr/>
+        </p:nvCxnSpPr>
+        <p:spPr>
+          <a:xfrm flipH="1">
+            <a:off x="4822371" y="1994427"/>
+            <a:ext cx="305073" cy="0"/>
+          </a:xfrm>
+          <a:prstGeom prst="straightConnector1">
+            <a:avLst/>
+          </a:prstGeom>
+          <a:ln w="28575">
+            <a:solidFill>
+              <a:schemeClr val="tx1"/>
+            </a:solidFill>
+            <a:tailEnd type="triangle"/>
+          </a:ln>
+        </p:spPr>
+        <p:style>
+          <a:lnRef idx="1">
+            <a:schemeClr val="accent1"/>
+          </a:lnRef>
+          <a:fillRef idx="0">
+            <a:schemeClr val="accent1"/>
+          </a:fillRef>
+          <a:effectRef idx="0">
+            <a:schemeClr val="accent1"/>
+          </a:effectRef>
+          <a:fontRef idx="minor">
+            <a:schemeClr val="tx1"/>
+          </a:fontRef>
+        </p:style>
+      </p:cxnSp>
+      <p:sp>
+        <p:nvSpPr>
+          <p:cNvPr id="9" name="TextBox 8">
+            <a:extLst>
+              <a:ext uri="{FF2B5EF4-FFF2-40B4-BE49-F238E27FC236}">
+                <a16:creationId xmlns:a16="http://schemas.microsoft.com/office/drawing/2014/main" id="{BE682E5D-D265-4180-B13E-5DB5678D75EF}"/>
+              </a:ext>
+            </a:extLst>
+          </p:cNvPr>
+          <p:cNvSpPr txBox="1"/>
+          <p:nvPr/>
+        </p:nvSpPr>
+        <p:spPr>
+          <a:xfrm>
+            <a:off x="5142277" y="1834703"/>
+            <a:ext cx="2490652" cy="292388"/>
+          </a:xfrm>
+          <a:prstGeom prst="rect">
+            <a:avLst/>
+          </a:prstGeom>
+          <a:noFill/>
+        </p:spPr>
+        <p:txBody>
+          <a:bodyPr wrap="square" rtlCol="0">
+            <a:spAutoFit/>
+          </a:bodyPr>
+          <a:lstStyle/>
+          <a:p>
+            <a:r>
+              <a:rPr lang="en-US" sz="1300" dirty="0"/>
+              <a:t>Answer key column</a:t>
+            </a:r>
+          </a:p>
+        </p:txBody>
+      </p:sp>
+      <p:cxnSp>
+        <p:nvCxnSpPr>
+          <p:cNvPr id="11" name="Straight Arrow Connector 10">
+            <a:extLst>
+              <a:ext uri="{FF2B5EF4-FFF2-40B4-BE49-F238E27FC236}">
+                <a16:creationId xmlns:a16="http://schemas.microsoft.com/office/drawing/2014/main" id="{79BCC449-646D-4CFB-A4F3-9CD51AD11C4B}"/>
+              </a:ext>
+            </a:extLst>
+          </p:cNvPr>
+          <p:cNvCxnSpPr>
+            <a:cxnSpLocks/>
+          </p:cNvCxnSpPr>
+          <p:nvPr/>
+        </p:nvCxnSpPr>
+        <p:spPr>
+          <a:xfrm flipH="1">
+            <a:off x="4822371" y="2150431"/>
             <a:ext cx="305073" cy="0"/>
           </a:xfrm>
           <a:prstGeom prst="straightConnector1">
@@ -6094,10 +7472,10 @@
       </p:cxnSp>
       <p:sp>
         <p:nvSpPr>
-          <p:cNvPr id="10" name="TextBox 9">
-            <a:extLst>
-              <a:ext uri="{FF2B5EF4-FFF2-40B4-BE49-F238E27FC236}">
-                <a16:creationId xmlns:a16="http://schemas.microsoft.com/office/drawing/2014/main" id="{A6994E22-452C-4F6A-9847-4D8614B7EC28}"/>
+          <p:cNvPr id="12" name="TextBox 11">
+            <a:extLst>
+              <a:ext uri="{FF2B5EF4-FFF2-40B4-BE49-F238E27FC236}">
+                <a16:creationId xmlns:a16="http://schemas.microsoft.com/office/drawing/2014/main" id="{C71559D6-BE9B-47D1-8B2A-3B2FBA485A38}"/>
               </a:ext>
             </a:extLst>
           </p:cNvPr>
@@ -6106,8 +7484,8 @@
         </p:nvSpPr>
         <p:spPr>
           <a:xfrm>
-            <a:off x="5142277" y="2005846"/>
-            <a:ext cx="2490652" cy="307777"/>
+            <a:off x="5127444" y="1973836"/>
+            <a:ext cx="2490652" cy="292388"/>
           </a:xfrm>
           <a:prstGeom prst="rect">
             <a:avLst/>
@@ -6121,12 +7499,12 @@
           <a:lstStyle/>
           <a:p>
             <a:r>
-              <a:rPr lang="en-US" sz="1400" dirty="0">
+              <a:rPr lang="en-US" sz="1300" dirty="0">
                 <a:solidFill>
                   <a:srgbClr val="C00000"/>
                 </a:solidFill>
               </a:rPr>
-              <a:t>Item number for Answer Key</a:t>
+              <a:t>Item number for answer key</a:t>
             </a:r>
           </a:p>
         </p:txBody>
@@ -6134,7 +7512,7 @@
     </p:spTree>
     <p:extLst>
       <p:ext uri="{BB962C8B-B14F-4D97-AF65-F5344CB8AC3E}">
-        <p14:creationId xmlns:p14="http://schemas.microsoft.com/office/powerpoint/2010/main" val="3552532995"/>
+        <p14:creationId xmlns:p14="http://schemas.microsoft.com/office/powerpoint/2010/main" val="2465364487"/>
       </p:ext>
     </p:extLst>
   </p:cSld>
@@ -6289,7 +7667,244 @@
         </p:nvCxnSpPr>
         <p:spPr>
           <a:xfrm flipH="1">
-            <a:off x="4822371" y="2331046"/>
+            <a:off x="4837204" y="1841297"/>
+            <a:ext cx="305073" cy="0"/>
+          </a:xfrm>
+          <a:prstGeom prst="straightConnector1">
+            <a:avLst/>
+          </a:prstGeom>
+          <a:ln w="28575">
+            <a:solidFill>
+              <a:schemeClr val="tx1"/>
+            </a:solidFill>
+            <a:tailEnd type="triangle"/>
+          </a:ln>
+        </p:spPr>
+        <p:style>
+          <a:lnRef idx="1">
+            <a:schemeClr val="accent1"/>
+          </a:lnRef>
+          <a:fillRef idx="0">
+            <a:schemeClr val="accent1"/>
+          </a:fillRef>
+          <a:effectRef idx="0">
+            <a:schemeClr val="accent1"/>
+          </a:effectRef>
+          <a:fontRef idx="minor">
+            <a:schemeClr val="tx1"/>
+          </a:fontRef>
+        </p:style>
+      </p:cxnSp>
+      <p:sp>
+        <p:nvSpPr>
+          <p:cNvPr id="10" name="TextBox 9">
+            <a:extLst>
+              <a:ext uri="{FF2B5EF4-FFF2-40B4-BE49-F238E27FC236}">
+                <a16:creationId xmlns:a16="http://schemas.microsoft.com/office/drawing/2014/main" id="{A6994E22-452C-4F6A-9847-4D8614B7EC28}"/>
+              </a:ext>
+            </a:extLst>
+          </p:cNvPr>
+          <p:cNvSpPr txBox="1"/>
+          <p:nvPr/>
+        </p:nvSpPr>
+        <p:spPr>
+          <a:xfrm>
+            <a:off x="5142277" y="1662039"/>
+            <a:ext cx="2490652" cy="292388"/>
+          </a:xfrm>
+          <a:prstGeom prst="rect">
+            <a:avLst/>
+          </a:prstGeom>
+          <a:noFill/>
+        </p:spPr>
+        <p:txBody>
+          <a:bodyPr wrap="square" rtlCol="0">
+            <a:spAutoFit/>
+          </a:bodyPr>
+          <a:lstStyle/>
+          <a:p>
+            <a:r>
+              <a:rPr lang="en-US" sz="1300" dirty="0"/>
+              <a:t>Response column</a:t>
+            </a:r>
+          </a:p>
+        </p:txBody>
+      </p:sp>
+      <p:cxnSp>
+        <p:nvCxnSpPr>
+          <p:cNvPr id="7" name="Straight Arrow Connector 6">
+            <a:extLst>
+              <a:ext uri="{FF2B5EF4-FFF2-40B4-BE49-F238E27FC236}">
+                <a16:creationId xmlns:a16="http://schemas.microsoft.com/office/drawing/2014/main" id="{85E0E4A9-4D18-401C-8776-ED3B4560BEC8}"/>
+              </a:ext>
+            </a:extLst>
+          </p:cNvPr>
+          <p:cNvCxnSpPr>
+            <a:cxnSpLocks/>
+          </p:cNvCxnSpPr>
+          <p:nvPr/>
+        </p:nvCxnSpPr>
+        <p:spPr>
+          <a:xfrm flipH="1">
+            <a:off x="4822371" y="1994427"/>
+            <a:ext cx="305073" cy="0"/>
+          </a:xfrm>
+          <a:prstGeom prst="straightConnector1">
+            <a:avLst/>
+          </a:prstGeom>
+          <a:ln w="28575">
+            <a:solidFill>
+              <a:schemeClr val="tx1"/>
+            </a:solidFill>
+            <a:tailEnd type="triangle"/>
+          </a:ln>
+        </p:spPr>
+        <p:style>
+          <a:lnRef idx="1">
+            <a:schemeClr val="accent1"/>
+          </a:lnRef>
+          <a:fillRef idx="0">
+            <a:schemeClr val="accent1"/>
+          </a:fillRef>
+          <a:effectRef idx="0">
+            <a:schemeClr val="accent1"/>
+          </a:effectRef>
+          <a:fontRef idx="minor">
+            <a:schemeClr val="tx1"/>
+          </a:fontRef>
+        </p:style>
+      </p:cxnSp>
+      <p:sp>
+        <p:nvSpPr>
+          <p:cNvPr id="9" name="TextBox 8">
+            <a:extLst>
+              <a:ext uri="{FF2B5EF4-FFF2-40B4-BE49-F238E27FC236}">
+                <a16:creationId xmlns:a16="http://schemas.microsoft.com/office/drawing/2014/main" id="{BE682E5D-D265-4180-B13E-5DB5678D75EF}"/>
+              </a:ext>
+            </a:extLst>
+          </p:cNvPr>
+          <p:cNvSpPr txBox="1"/>
+          <p:nvPr/>
+        </p:nvSpPr>
+        <p:spPr>
+          <a:xfrm>
+            <a:off x="5142277" y="1834703"/>
+            <a:ext cx="2490652" cy="292388"/>
+          </a:xfrm>
+          <a:prstGeom prst="rect">
+            <a:avLst/>
+          </a:prstGeom>
+          <a:noFill/>
+        </p:spPr>
+        <p:txBody>
+          <a:bodyPr wrap="square" rtlCol="0">
+            <a:spAutoFit/>
+          </a:bodyPr>
+          <a:lstStyle/>
+          <a:p>
+            <a:r>
+              <a:rPr lang="en-US" sz="1300" dirty="0"/>
+              <a:t>Answer Key column</a:t>
+            </a:r>
+          </a:p>
+        </p:txBody>
+      </p:sp>
+      <p:cxnSp>
+        <p:nvCxnSpPr>
+          <p:cNvPr id="11" name="Straight Arrow Connector 10">
+            <a:extLst>
+              <a:ext uri="{FF2B5EF4-FFF2-40B4-BE49-F238E27FC236}">
+                <a16:creationId xmlns:a16="http://schemas.microsoft.com/office/drawing/2014/main" id="{79BCC449-646D-4CFB-A4F3-9CD51AD11C4B}"/>
+              </a:ext>
+            </a:extLst>
+          </p:cNvPr>
+          <p:cNvCxnSpPr>
+            <a:cxnSpLocks/>
+          </p:cNvCxnSpPr>
+          <p:nvPr/>
+        </p:nvCxnSpPr>
+        <p:spPr>
+          <a:xfrm flipH="1">
+            <a:off x="4822371" y="2150431"/>
+            <a:ext cx="305073" cy="0"/>
+          </a:xfrm>
+          <a:prstGeom prst="straightConnector1">
+            <a:avLst/>
+          </a:prstGeom>
+          <a:ln w="28575">
+            <a:solidFill>
+              <a:schemeClr val="tx1"/>
+            </a:solidFill>
+            <a:tailEnd type="triangle"/>
+          </a:ln>
+        </p:spPr>
+        <p:style>
+          <a:lnRef idx="1">
+            <a:schemeClr val="accent1"/>
+          </a:lnRef>
+          <a:fillRef idx="0">
+            <a:schemeClr val="accent1"/>
+          </a:fillRef>
+          <a:effectRef idx="0">
+            <a:schemeClr val="accent1"/>
+          </a:effectRef>
+          <a:fontRef idx="minor">
+            <a:schemeClr val="tx1"/>
+          </a:fontRef>
+        </p:style>
+      </p:cxnSp>
+      <p:sp>
+        <p:nvSpPr>
+          <p:cNvPr id="12" name="TextBox 11">
+            <a:extLst>
+              <a:ext uri="{FF2B5EF4-FFF2-40B4-BE49-F238E27FC236}">
+                <a16:creationId xmlns:a16="http://schemas.microsoft.com/office/drawing/2014/main" id="{C71559D6-BE9B-47D1-8B2A-3B2FBA485A38}"/>
+              </a:ext>
+            </a:extLst>
+          </p:cNvPr>
+          <p:cNvSpPr txBox="1"/>
+          <p:nvPr/>
+        </p:nvSpPr>
+        <p:spPr>
+          <a:xfrm>
+            <a:off x="5127444" y="1973836"/>
+            <a:ext cx="2490652" cy="292388"/>
+          </a:xfrm>
+          <a:prstGeom prst="rect">
+            <a:avLst/>
+          </a:prstGeom>
+          <a:noFill/>
+        </p:spPr>
+        <p:txBody>
+          <a:bodyPr wrap="square" rtlCol="0">
+            <a:spAutoFit/>
+          </a:bodyPr>
+          <a:lstStyle/>
+          <a:p>
+            <a:r>
+              <a:rPr lang="en-US" sz="1300" dirty="0"/>
+              <a:t>Item number for answer key</a:t>
+            </a:r>
+          </a:p>
+        </p:txBody>
+      </p:sp>
+      <p:cxnSp>
+        <p:nvCxnSpPr>
+          <p:cNvPr id="13" name="Straight Arrow Connector 12">
+            <a:extLst>
+              <a:ext uri="{FF2B5EF4-FFF2-40B4-BE49-F238E27FC236}">
+                <a16:creationId xmlns:a16="http://schemas.microsoft.com/office/drawing/2014/main" id="{4199D197-D693-497D-9FC8-2BA42ADDE06A}"/>
+              </a:ext>
+            </a:extLst>
+          </p:cNvPr>
+          <p:cNvCxnSpPr>
+            <a:cxnSpLocks/>
+          </p:cNvCxnSpPr>
+          <p:nvPr/>
+        </p:nvCxnSpPr>
+        <p:spPr>
+          <a:xfrm flipH="1">
+            <a:off x="4822371" y="2283340"/>
             <a:ext cx="305073" cy="0"/>
           </a:xfrm>
           <a:prstGeom prst="straightConnector1">
@@ -6319,10 +7934,10 @@
       </p:cxnSp>
       <p:sp>
         <p:nvSpPr>
-          <p:cNvPr id="10" name="TextBox 9">
-            <a:extLst>
-              <a:ext uri="{FF2B5EF4-FFF2-40B4-BE49-F238E27FC236}">
-                <a16:creationId xmlns:a16="http://schemas.microsoft.com/office/drawing/2014/main" id="{A6994E22-452C-4F6A-9847-4D8614B7EC28}"/>
+          <p:cNvPr id="14" name="TextBox 13">
+            <a:extLst>
+              <a:ext uri="{FF2B5EF4-FFF2-40B4-BE49-F238E27FC236}">
+                <a16:creationId xmlns:a16="http://schemas.microsoft.com/office/drawing/2014/main" id="{C34274DD-03CE-4E68-99BE-E1FC7AC987B7}"/>
               </a:ext>
             </a:extLst>
           </p:cNvPr>
@@ -6331,8 +7946,8 @@
         </p:nvSpPr>
         <p:spPr>
           <a:xfrm>
-            <a:off x="5142277" y="2162600"/>
-            <a:ext cx="2490652" cy="307777"/>
+            <a:off x="5142277" y="2122845"/>
+            <a:ext cx="2490652" cy="292388"/>
           </a:xfrm>
           <a:prstGeom prst="rect">
             <a:avLst/>
@@ -6346,7 +7961,7 @@
           <a:lstStyle/>
           <a:p>
             <a:r>
-              <a:rPr lang="en-US" sz="1400" dirty="0">
+              <a:rPr lang="en-US" sz="1300" dirty="0">
                 <a:solidFill>
                   <a:srgbClr val="C00000"/>
                 </a:solidFill>
@@ -6359,7 +7974,7 @@
     </p:spTree>
     <p:extLst>
       <p:ext uri="{BB962C8B-B14F-4D97-AF65-F5344CB8AC3E}">
-        <p14:creationId xmlns:p14="http://schemas.microsoft.com/office/powerpoint/2010/main" val="3833647286"/>
+        <p14:creationId xmlns:p14="http://schemas.microsoft.com/office/powerpoint/2010/main" val="3652378536"/>
       </p:ext>
     </p:extLst>
   </p:cSld>
@@ -6514,7 +8129,323 @@
         </p:nvCxnSpPr>
         <p:spPr>
           <a:xfrm flipH="1">
-            <a:off x="4822371" y="2452969"/>
+            <a:off x="4837204" y="1841297"/>
+            <a:ext cx="305073" cy="0"/>
+          </a:xfrm>
+          <a:prstGeom prst="straightConnector1">
+            <a:avLst/>
+          </a:prstGeom>
+          <a:ln w="28575">
+            <a:solidFill>
+              <a:schemeClr val="tx1"/>
+            </a:solidFill>
+            <a:tailEnd type="triangle"/>
+          </a:ln>
+        </p:spPr>
+        <p:style>
+          <a:lnRef idx="1">
+            <a:schemeClr val="accent1"/>
+          </a:lnRef>
+          <a:fillRef idx="0">
+            <a:schemeClr val="accent1"/>
+          </a:fillRef>
+          <a:effectRef idx="0">
+            <a:schemeClr val="accent1"/>
+          </a:effectRef>
+          <a:fontRef idx="minor">
+            <a:schemeClr val="tx1"/>
+          </a:fontRef>
+        </p:style>
+      </p:cxnSp>
+      <p:sp>
+        <p:nvSpPr>
+          <p:cNvPr id="10" name="TextBox 9">
+            <a:extLst>
+              <a:ext uri="{FF2B5EF4-FFF2-40B4-BE49-F238E27FC236}">
+                <a16:creationId xmlns:a16="http://schemas.microsoft.com/office/drawing/2014/main" id="{A6994E22-452C-4F6A-9847-4D8614B7EC28}"/>
+              </a:ext>
+            </a:extLst>
+          </p:cNvPr>
+          <p:cNvSpPr txBox="1"/>
+          <p:nvPr/>
+        </p:nvSpPr>
+        <p:spPr>
+          <a:xfrm>
+            <a:off x="5142277" y="1662039"/>
+            <a:ext cx="2490652" cy="292388"/>
+          </a:xfrm>
+          <a:prstGeom prst="rect">
+            <a:avLst/>
+          </a:prstGeom>
+          <a:noFill/>
+        </p:spPr>
+        <p:txBody>
+          <a:bodyPr wrap="square" rtlCol="0">
+            <a:spAutoFit/>
+          </a:bodyPr>
+          <a:lstStyle/>
+          <a:p>
+            <a:r>
+              <a:rPr lang="en-US" sz="1300" dirty="0"/>
+              <a:t>Response column</a:t>
+            </a:r>
+          </a:p>
+        </p:txBody>
+      </p:sp>
+      <p:cxnSp>
+        <p:nvCxnSpPr>
+          <p:cNvPr id="7" name="Straight Arrow Connector 6">
+            <a:extLst>
+              <a:ext uri="{FF2B5EF4-FFF2-40B4-BE49-F238E27FC236}">
+                <a16:creationId xmlns:a16="http://schemas.microsoft.com/office/drawing/2014/main" id="{85E0E4A9-4D18-401C-8776-ED3B4560BEC8}"/>
+              </a:ext>
+            </a:extLst>
+          </p:cNvPr>
+          <p:cNvCxnSpPr>
+            <a:cxnSpLocks/>
+          </p:cNvCxnSpPr>
+          <p:nvPr/>
+        </p:nvCxnSpPr>
+        <p:spPr>
+          <a:xfrm flipH="1">
+            <a:off x="4822371" y="1994427"/>
+            <a:ext cx="305073" cy="0"/>
+          </a:xfrm>
+          <a:prstGeom prst="straightConnector1">
+            <a:avLst/>
+          </a:prstGeom>
+          <a:ln w="28575">
+            <a:solidFill>
+              <a:schemeClr val="tx1"/>
+            </a:solidFill>
+            <a:tailEnd type="triangle"/>
+          </a:ln>
+        </p:spPr>
+        <p:style>
+          <a:lnRef idx="1">
+            <a:schemeClr val="accent1"/>
+          </a:lnRef>
+          <a:fillRef idx="0">
+            <a:schemeClr val="accent1"/>
+          </a:fillRef>
+          <a:effectRef idx="0">
+            <a:schemeClr val="accent1"/>
+          </a:effectRef>
+          <a:fontRef idx="minor">
+            <a:schemeClr val="tx1"/>
+          </a:fontRef>
+        </p:style>
+      </p:cxnSp>
+      <p:sp>
+        <p:nvSpPr>
+          <p:cNvPr id="9" name="TextBox 8">
+            <a:extLst>
+              <a:ext uri="{FF2B5EF4-FFF2-40B4-BE49-F238E27FC236}">
+                <a16:creationId xmlns:a16="http://schemas.microsoft.com/office/drawing/2014/main" id="{BE682E5D-D265-4180-B13E-5DB5678D75EF}"/>
+              </a:ext>
+            </a:extLst>
+          </p:cNvPr>
+          <p:cNvSpPr txBox="1"/>
+          <p:nvPr/>
+        </p:nvSpPr>
+        <p:spPr>
+          <a:xfrm>
+            <a:off x="5142277" y="1834703"/>
+            <a:ext cx="2490652" cy="292388"/>
+          </a:xfrm>
+          <a:prstGeom prst="rect">
+            <a:avLst/>
+          </a:prstGeom>
+          <a:noFill/>
+        </p:spPr>
+        <p:txBody>
+          <a:bodyPr wrap="square" rtlCol="0">
+            <a:spAutoFit/>
+          </a:bodyPr>
+          <a:lstStyle/>
+          <a:p>
+            <a:r>
+              <a:rPr lang="en-US" sz="1300" dirty="0"/>
+              <a:t>Answer key column</a:t>
+            </a:r>
+          </a:p>
+        </p:txBody>
+      </p:sp>
+      <p:cxnSp>
+        <p:nvCxnSpPr>
+          <p:cNvPr id="11" name="Straight Arrow Connector 10">
+            <a:extLst>
+              <a:ext uri="{FF2B5EF4-FFF2-40B4-BE49-F238E27FC236}">
+                <a16:creationId xmlns:a16="http://schemas.microsoft.com/office/drawing/2014/main" id="{79BCC449-646D-4CFB-A4F3-9CD51AD11C4B}"/>
+              </a:ext>
+            </a:extLst>
+          </p:cNvPr>
+          <p:cNvCxnSpPr>
+            <a:cxnSpLocks/>
+          </p:cNvCxnSpPr>
+          <p:nvPr/>
+        </p:nvCxnSpPr>
+        <p:spPr>
+          <a:xfrm flipH="1">
+            <a:off x="4822371" y="2150431"/>
+            <a:ext cx="305073" cy="0"/>
+          </a:xfrm>
+          <a:prstGeom prst="straightConnector1">
+            <a:avLst/>
+          </a:prstGeom>
+          <a:ln w="28575">
+            <a:solidFill>
+              <a:schemeClr val="tx1"/>
+            </a:solidFill>
+            <a:tailEnd type="triangle"/>
+          </a:ln>
+        </p:spPr>
+        <p:style>
+          <a:lnRef idx="1">
+            <a:schemeClr val="accent1"/>
+          </a:lnRef>
+          <a:fillRef idx="0">
+            <a:schemeClr val="accent1"/>
+          </a:fillRef>
+          <a:effectRef idx="0">
+            <a:schemeClr val="accent1"/>
+          </a:effectRef>
+          <a:fontRef idx="minor">
+            <a:schemeClr val="tx1"/>
+          </a:fontRef>
+        </p:style>
+      </p:cxnSp>
+      <p:sp>
+        <p:nvSpPr>
+          <p:cNvPr id="12" name="TextBox 11">
+            <a:extLst>
+              <a:ext uri="{FF2B5EF4-FFF2-40B4-BE49-F238E27FC236}">
+                <a16:creationId xmlns:a16="http://schemas.microsoft.com/office/drawing/2014/main" id="{C71559D6-BE9B-47D1-8B2A-3B2FBA485A38}"/>
+              </a:ext>
+            </a:extLst>
+          </p:cNvPr>
+          <p:cNvSpPr txBox="1"/>
+          <p:nvPr/>
+        </p:nvSpPr>
+        <p:spPr>
+          <a:xfrm>
+            <a:off x="5127444" y="1973836"/>
+            <a:ext cx="2490652" cy="292388"/>
+          </a:xfrm>
+          <a:prstGeom prst="rect">
+            <a:avLst/>
+          </a:prstGeom>
+          <a:noFill/>
+        </p:spPr>
+        <p:txBody>
+          <a:bodyPr wrap="square" rtlCol="0">
+            <a:spAutoFit/>
+          </a:bodyPr>
+          <a:lstStyle/>
+          <a:p>
+            <a:r>
+              <a:rPr lang="en-US" sz="1300" dirty="0"/>
+              <a:t>Item number for answer key</a:t>
+            </a:r>
+          </a:p>
+        </p:txBody>
+      </p:sp>
+      <p:cxnSp>
+        <p:nvCxnSpPr>
+          <p:cNvPr id="13" name="Straight Arrow Connector 12">
+            <a:extLst>
+              <a:ext uri="{FF2B5EF4-FFF2-40B4-BE49-F238E27FC236}">
+                <a16:creationId xmlns:a16="http://schemas.microsoft.com/office/drawing/2014/main" id="{4199D197-D693-497D-9FC8-2BA42ADDE06A}"/>
+              </a:ext>
+            </a:extLst>
+          </p:cNvPr>
+          <p:cNvCxnSpPr>
+            <a:cxnSpLocks/>
+          </p:cNvCxnSpPr>
+          <p:nvPr/>
+        </p:nvCxnSpPr>
+        <p:spPr>
+          <a:xfrm flipH="1">
+            <a:off x="4822371" y="2283340"/>
+            <a:ext cx="305073" cy="0"/>
+          </a:xfrm>
+          <a:prstGeom prst="straightConnector1">
+            <a:avLst/>
+          </a:prstGeom>
+          <a:ln w="28575">
+            <a:solidFill>
+              <a:schemeClr val="tx1"/>
+            </a:solidFill>
+            <a:tailEnd type="triangle"/>
+          </a:ln>
+        </p:spPr>
+        <p:style>
+          <a:lnRef idx="1">
+            <a:schemeClr val="accent1"/>
+          </a:lnRef>
+          <a:fillRef idx="0">
+            <a:schemeClr val="accent1"/>
+          </a:fillRef>
+          <a:effectRef idx="0">
+            <a:schemeClr val="accent1"/>
+          </a:effectRef>
+          <a:fontRef idx="minor">
+            <a:schemeClr val="tx1"/>
+          </a:fontRef>
+        </p:style>
+      </p:cxnSp>
+      <p:sp>
+        <p:nvSpPr>
+          <p:cNvPr id="14" name="TextBox 13">
+            <a:extLst>
+              <a:ext uri="{FF2B5EF4-FFF2-40B4-BE49-F238E27FC236}">
+                <a16:creationId xmlns:a16="http://schemas.microsoft.com/office/drawing/2014/main" id="{C34274DD-03CE-4E68-99BE-E1FC7AC987B7}"/>
+              </a:ext>
+            </a:extLst>
+          </p:cNvPr>
+          <p:cNvSpPr txBox="1"/>
+          <p:nvPr/>
+        </p:nvSpPr>
+        <p:spPr>
+          <a:xfrm>
+            <a:off x="5142277" y="2122845"/>
+            <a:ext cx="2490652" cy="292388"/>
+          </a:xfrm>
+          <a:prstGeom prst="rect">
+            <a:avLst/>
+          </a:prstGeom>
+          <a:noFill/>
+        </p:spPr>
+        <p:txBody>
+          <a:bodyPr wrap="square" rtlCol="0">
+            <a:spAutoFit/>
+          </a:bodyPr>
+          <a:lstStyle/>
+          <a:p>
+            <a:r>
+              <a:rPr lang="en-US" sz="1300" dirty="0"/>
+              <a:t>Participant Identifier</a:t>
+            </a:r>
+          </a:p>
+        </p:txBody>
+      </p:sp>
+      <p:cxnSp>
+        <p:nvCxnSpPr>
+          <p:cNvPr id="15" name="Straight Arrow Connector 14">
+            <a:extLst>
+              <a:ext uri="{FF2B5EF4-FFF2-40B4-BE49-F238E27FC236}">
+                <a16:creationId xmlns:a16="http://schemas.microsoft.com/office/drawing/2014/main" id="{84EFCC8E-3358-40A0-AAA0-9E60599A1193}"/>
+              </a:ext>
+            </a:extLst>
+          </p:cNvPr>
+          <p:cNvCxnSpPr>
+            <a:cxnSpLocks/>
+          </p:cNvCxnSpPr>
+          <p:nvPr/>
+        </p:nvCxnSpPr>
+        <p:spPr>
+          <a:xfrm flipH="1">
+            <a:off x="4822371" y="2445018"/>
             <a:ext cx="305073" cy="0"/>
           </a:xfrm>
           <a:prstGeom prst="straightConnector1">
@@ -6544,10 +8475,10 @@
       </p:cxnSp>
       <p:sp>
         <p:nvSpPr>
-          <p:cNvPr id="10" name="TextBox 9">
-            <a:extLst>
-              <a:ext uri="{FF2B5EF4-FFF2-40B4-BE49-F238E27FC236}">
-                <a16:creationId xmlns:a16="http://schemas.microsoft.com/office/drawing/2014/main" id="{A6994E22-452C-4F6A-9847-4D8614B7EC28}"/>
+          <p:cNvPr id="16" name="TextBox 15">
+            <a:extLst>
+              <a:ext uri="{FF2B5EF4-FFF2-40B4-BE49-F238E27FC236}">
+                <a16:creationId xmlns:a16="http://schemas.microsoft.com/office/drawing/2014/main" id="{143C16A8-FD6C-40BE-9286-9A33916D7295}"/>
               </a:ext>
             </a:extLst>
           </p:cNvPr>
@@ -6557,7 +8488,7 @@
         <p:spPr>
           <a:xfrm>
             <a:off x="5142277" y="2275813"/>
-            <a:ext cx="2490652" cy="307777"/>
+            <a:ext cx="2490652" cy="292388"/>
           </a:xfrm>
           <a:prstGeom prst="rect">
             <a:avLst/>
@@ -6571,12 +8502,12 @@
           <a:lstStyle/>
           <a:p>
             <a:r>
-              <a:rPr lang="en-US" sz="1400" dirty="0">
+              <a:rPr lang="en-US" sz="1300" dirty="0">
                 <a:solidFill>
                   <a:srgbClr val="C00000"/>
                 </a:solidFill>
               </a:rPr>
-              <a:t>Trial Number</a:t>
+              <a:t>Item number for study pairs</a:t>
             </a:r>
           </a:p>
         </p:txBody>
@@ -6584,7 +8515,7 @@
     </p:spTree>
     <p:extLst>
       <p:ext uri="{BB962C8B-B14F-4D97-AF65-F5344CB8AC3E}">
-        <p14:creationId xmlns:p14="http://schemas.microsoft.com/office/powerpoint/2010/main" val="717234715"/>
+        <p14:creationId xmlns:p14="http://schemas.microsoft.com/office/powerpoint/2010/main" val="643325609"/>
       </p:ext>
     </p:extLst>
   </p:cSld>
@@ -6739,6 +8670,401 @@
         </p:nvCxnSpPr>
         <p:spPr>
           <a:xfrm flipH="1">
+            <a:off x="4837204" y="1841297"/>
+            <a:ext cx="305073" cy="0"/>
+          </a:xfrm>
+          <a:prstGeom prst="straightConnector1">
+            <a:avLst/>
+          </a:prstGeom>
+          <a:ln w="28575">
+            <a:solidFill>
+              <a:schemeClr val="tx1"/>
+            </a:solidFill>
+            <a:tailEnd type="triangle"/>
+          </a:ln>
+        </p:spPr>
+        <p:style>
+          <a:lnRef idx="1">
+            <a:schemeClr val="accent1"/>
+          </a:lnRef>
+          <a:fillRef idx="0">
+            <a:schemeClr val="accent1"/>
+          </a:fillRef>
+          <a:effectRef idx="0">
+            <a:schemeClr val="accent1"/>
+          </a:effectRef>
+          <a:fontRef idx="minor">
+            <a:schemeClr val="tx1"/>
+          </a:fontRef>
+        </p:style>
+      </p:cxnSp>
+      <p:sp>
+        <p:nvSpPr>
+          <p:cNvPr id="10" name="TextBox 9">
+            <a:extLst>
+              <a:ext uri="{FF2B5EF4-FFF2-40B4-BE49-F238E27FC236}">
+                <a16:creationId xmlns:a16="http://schemas.microsoft.com/office/drawing/2014/main" id="{A6994E22-452C-4F6A-9847-4D8614B7EC28}"/>
+              </a:ext>
+            </a:extLst>
+          </p:cNvPr>
+          <p:cNvSpPr txBox="1"/>
+          <p:nvPr/>
+        </p:nvSpPr>
+        <p:spPr>
+          <a:xfrm>
+            <a:off x="5142277" y="1662039"/>
+            <a:ext cx="2490652" cy="292388"/>
+          </a:xfrm>
+          <a:prstGeom prst="rect">
+            <a:avLst/>
+          </a:prstGeom>
+          <a:noFill/>
+        </p:spPr>
+        <p:txBody>
+          <a:bodyPr wrap="square" rtlCol="0">
+            <a:spAutoFit/>
+          </a:bodyPr>
+          <a:lstStyle/>
+          <a:p>
+            <a:r>
+              <a:rPr lang="en-US" sz="1300" dirty="0"/>
+              <a:t>Response column</a:t>
+            </a:r>
+          </a:p>
+        </p:txBody>
+      </p:sp>
+      <p:cxnSp>
+        <p:nvCxnSpPr>
+          <p:cNvPr id="7" name="Straight Arrow Connector 6">
+            <a:extLst>
+              <a:ext uri="{FF2B5EF4-FFF2-40B4-BE49-F238E27FC236}">
+                <a16:creationId xmlns:a16="http://schemas.microsoft.com/office/drawing/2014/main" id="{85E0E4A9-4D18-401C-8776-ED3B4560BEC8}"/>
+              </a:ext>
+            </a:extLst>
+          </p:cNvPr>
+          <p:cNvCxnSpPr>
+            <a:cxnSpLocks/>
+          </p:cNvCxnSpPr>
+          <p:nvPr/>
+        </p:nvCxnSpPr>
+        <p:spPr>
+          <a:xfrm flipH="1">
+            <a:off x="4822371" y="1994427"/>
+            <a:ext cx="305073" cy="0"/>
+          </a:xfrm>
+          <a:prstGeom prst="straightConnector1">
+            <a:avLst/>
+          </a:prstGeom>
+          <a:ln w="28575">
+            <a:solidFill>
+              <a:schemeClr val="tx1"/>
+            </a:solidFill>
+            <a:tailEnd type="triangle"/>
+          </a:ln>
+        </p:spPr>
+        <p:style>
+          <a:lnRef idx="1">
+            <a:schemeClr val="accent1"/>
+          </a:lnRef>
+          <a:fillRef idx="0">
+            <a:schemeClr val="accent1"/>
+          </a:fillRef>
+          <a:effectRef idx="0">
+            <a:schemeClr val="accent1"/>
+          </a:effectRef>
+          <a:fontRef idx="minor">
+            <a:schemeClr val="tx1"/>
+          </a:fontRef>
+        </p:style>
+      </p:cxnSp>
+      <p:sp>
+        <p:nvSpPr>
+          <p:cNvPr id="9" name="TextBox 8">
+            <a:extLst>
+              <a:ext uri="{FF2B5EF4-FFF2-40B4-BE49-F238E27FC236}">
+                <a16:creationId xmlns:a16="http://schemas.microsoft.com/office/drawing/2014/main" id="{BE682E5D-D265-4180-B13E-5DB5678D75EF}"/>
+              </a:ext>
+            </a:extLst>
+          </p:cNvPr>
+          <p:cNvSpPr txBox="1"/>
+          <p:nvPr/>
+        </p:nvSpPr>
+        <p:spPr>
+          <a:xfrm>
+            <a:off x="5142277" y="1834703"/>
+            <a:ext cx="2490652" cy="292388"/>
+          </a:xfrm>
+          <a:prstGeom prst="rect">
+            <a:avLst/>
+          </a:prstGeom>
+          <a:noFill/>
+        </p:spPr>
+        <p:txBody>
+          <a:bodyPr wrap="square" rtlCol="0">
+            <a:spAutoFit/>
+          </a:bodyPr>
+          <a:lstStyle/>
+          <a:p>
+            <a:r>
+              <a:rPr lang="en-US" sz="1300" dirty="0"/>
+              <a:t>Answer key column</a:t>
+            </a:r>
+          </a:p>
+        </p:txBody>
+      </p:sp>
+      <p:cxnSp>
+        <p:nvCxnSpPr>
+          <p:cNvPr id="11" name="Straight Arrow Connector 10">
+            <a:extLst>
+              <a:ext uri="{FF2B5EF4-FFF2-40B4-BE49-F238E27FC236}">
+                <a16:creationId xmlns:a16="http://schemas.microsoft.com/office/drawing/2014/main" id="{79BCC449-646D-4CFB-A4F3-9CD51AD11C4B}"/>
+              </a:ext>
+            </a:extLst>
+          </p:cNvPr>
+          <p:cNvCxnSpPr>
+            <a:cxnSpLocks/>
+          </p:cNvCxnSpPr>
+          <p:nvPr/>
+        </p:nvCxnSpPr>
+        <p:spPr>
+          <a:xfrm flipH="1">
+            <a:off x="4822371" y="2150431"/>
+            <a:ext cx="305073" cy="0"/>
+          </a:xfrm>
+          <a:prstGeom prst="straightConnector1">
+            <a:avLst/>
+          </a:prstGeom>
+          <a:ln w="28575">
+            <a:solidFill>
+              <a:schemeClr val="tx1"/>
+            </a:solidFill>
+            <a:tailEnd type="triangle"/>
+          </a:ln>
+        </p:spPr>
+        <p:style>
+          <a:lnRef idx="1">
+            <a:schemeClr val="accent1"/>
+          </a:lnRef>
+          <a:fillRef idx="0">
+            <a:schemeClr val="accent1"/>
+          </a:fillRef>
+          <a:effectRef idx="0">
+            <a:schemeClr val="accent1"/>
+          </a:effectRef>
+          <a:fontRef idx="minor">
+            <a:schemeClr val="tx1"/>
+          </a:fontRef>
+        </p:style>
+      </p:cxnSp>
+      <p:sp>
+        <p:nvSpPr>
+          <p:cNvPr id="12" name="TextBox 11">
+            <a:extLst>
+              <a:ext uri="{FF2B5EF4-FFF2-40B4-BE49-F238E27FC236}">
+                <a16:creationId xmlns:a16="http://schemas.microsoft.com/office/drawing/2014/main" id="{C71559D6-BE9B-47D1-8B2A-3B2FBA485A38}"/>
+              </a:ext>
+            </a:extLst>
+          </p:cNvPr>
+          <p:cNvSpPr txBox="1"/>
+          <p:nvPr/>
+        </p:nvSpPr>
+        <p:spPr>
+          <a:xfrm>
+            <a:off x="5127444" y="1973836"/>
+            <a:ext cx="2490652" cy="292388"/>
+          </a:xfrm>
+          <a:prstGeom prst="rect">
+            <a:avLst/>
+          </a:prstGeom>
+          <a:noFill/>
+        </p:spPr>
+        <p:txBody>
+          <a:bodyPr wrap="square" rtlCol="0">
+            <a:spAutoFit/>
+          </a:bodyPr>
+          <a:lstStyle/>
+          <a:p>
+            <a:r>
+              <a:rPr lang="en-US" sz="1300" dirty="0"/>
+              <a:t>Item number for answer key</a:t>
+            </a:r>
+          </a:p>
+        </p:txBody>
+      </p:sp>
+      <p:cxnSp>
+        <p:nvCxnSpPr>
+          <p:cNvPr id="13" name="Straight Arrow Connector 12">
+            <a:extLst>
+              <a:ext uri="{FF2B5EF4-FFF2-40B4-BE49-F238E27FC236}">
+                <a16:creationId xmlns:a16="http://schemas.microsoft.com/office/drawing/2014/main" id="{4199D197-D693-497D-9FC8-2BA42ADDE06A}"/>
+              </a:ext>
+            </a:extLst>
+          </p:cNvPr>
+          <p:cNvCxnSpPr>
+            <a:cxnSpLocks/>
+          </p:cNvCxnSpPr>
+          <p:nvPr/>
+        </p:nvCxnSpPr>
+        <p:spPr>
+          <a:xfrm flipH="1">
+            <a:off x="4822371" y="2283340"/>
+            <a:ext cx="305073" cy="0"/>
+          </a:xfrm>
+          <a:prstGeom prst="straightConnector1">
+            <a:avLst/>
+          </a:prstGeom>
+          <a:ln w="28575">
+            <a:solidFill>
+              <a:schemeClr val="tx1"/>
+            </a:solidFill>
+            <a:tailEnd type="triangle"/>
+          </a:ln>
+        </p:spPr>
+        <p:style>
+          <a:lnRef idx="1">
+            <a:schemeClr val="accent1"/>
+          </a:lnRef>
+          <a:fillRef idx="0">
+            <a:schemeClr val="accent1"/>
+          </a:fillRef>
+          <a:effectRef idx="0">
+            <a:schemeClr val="accent1"/>
+          </a:effectRef>
+          <a:fontRef idx="minor">
+            <a:schemeClr val="tx1"/>
+          </a:fontRef>
+        </p:style>
+      </p:cxnSp>
+      <p:sp>
+        <p:nvSpPr>
+          <p:cNvPr id="14" name="TextBox 13">
+            <a:extLst>
+              <a:ext uri="{FF2B5EF4-FFF2-40B4-BE49-F238E27FC236}">
+                <a16:creationId xmlns:a16="http://schemas.microsoft.com/office/drawing/2014/main" id="{C34274DD-03CE-4E68-99BE-E1FC7AC987B7}"/>
+              </a:ext>
+            </a:extLst>
+          </p:cNvPr>
+          <p:cNvSpPr txBox="1"/>
+          <p:nvPr/>
+        </p:nvSpPr>
+        <p:spPr>
+          <a:xfrm>
+            <a:off x="5142277" y="2122845"/>
+            <a:ext cx="2490652" cy="292388"/>
+          </a:xfrm>
+          <a:prstGeom prst="rect">
+            <a:avLst/>
+          </a:prstGeom>
+          <a:noFill/>
+        </p:spPr>
+        <p:txBody>
+          <a:bodyPr wrap="square" rtlCol="0">
+            <a:spAutoFit/>
+          </a:bodyPr>
+          <a:lstStyle/>
+          <a:p>
+            <a:r>
+              <a:rPr lang="en-US" sz="1300" dirty="0"/>
+              <a:t>Participant Identifier</a:t>
+            </a:r>
+          </a:p>
+        </p:txBody>
+      </p:sp>
+      <p:cxnSp>
+        <p:nvCxnSpPr>
+          <p:cNvPr id="15" name="Straight Arrow Connector 14">
+            <a:extLst>
+              <a:ext uri="{FF2B5EF4-FFF2-40B4-BE49-F238E27FC236}">
+                <a16:creationId xmlns:a16="http://schemas.microsoft.com/office/drawing/2014/main" id="{84EFCC8E-3358-40A0-AAA0-9E60599A1193}"/>
+              </a:ext>
+            </a:extLst>
+          </p:cNvPr>
+          <p:cNvCxnSpPr>
+            <a:cxnSpLocks/>
+          </p:cNvCxnSpPr>
+          <p:nvPr/>
+        </p:nvCxnSpPr>
+        <p:spPr>
+          <a:xfrm flipH="1">
+            <a:off x="4822371" y="2437067"/>
+            <a:ext cx="305073" cy="0"/>
+          </a:xfrm>
+          <a:prstGeom prst="straightConnector1">
+            <a:avLst/>
+          </a:prstGeom>
+          <a:ln w="28575">
+            <a:solidFill>
+              <a:schemeClr val="tx1"/>
+            </a:solidFill>
+            <a:tailEnd type="triangle"/>
+          </a:ln>
+        </p:spPr>
+        <p:style>
+          <a:lnRef idx="1">
+            <a:schemeClr val="accent1"/>
+          </a:lnRef>
+          <a:fillRef idx="0">
+            <a:schemeClr val="accent1"/>
+          </a:fillRef>
+          <a:effectRef idx="0">
+            <a:schemeClr val="accent1"/>
+          </a:effectRef>
+          <a:fontRef idx="minor">
+            <a:schemeClr val="tx1"/>
+          </a:fontRef>
+        </p:style>
+      </p:cxnSp>
+      <p:sp>
+        <p:nvSpPr>
+          <p:cNvPr id="16" name="TextBox 15">
+            <a:extLst>
+              <a:ext uri="{FF2B5EF4-FFF2-40B4-BE49-F238E27FC236}">
+                <a16:creationId xmlns:a16="http://schemas.microsoft.com/office/drawing/2014/main" id="{143C16A8-FD6C-40BE-9286-9A33916D7295}"/>
+              </a:ext>
+            </a:extLst>
+          </p:cNvPr>
+          <p:cNvSpPr txBox="1"/>
+          <p:nvPr/>
+        </p:nvSpPr>
+        <p:spPr>
+          <a:xfrm>
+            <a:off x="5142277" y="2275813"/>
+            <a:ext cx="2490652" cy="292388"/>
+          </a:xfrm>
+          <a:prstGeom prst="rect">
+            <a:avLst/>
+          </a:prstGeom>
+          <a:noFill/>
+        </p:spPr>
+        <p:txBody>
+          <a:bodyPr wrap="square" rtlCol="0">
+            <a:spAutoFit/>
+          </a:bodyPr>
+          <a:lstStyle/>
+          <a:p>
+            <a:r>
+              <a:rPr lang="en-US" sz="1300" dirty="0"/>
+              <a:t>Item number for study pairs</a:t>
+            </a:r>
+          </a:p>
+        </p:txBody>
+      </p:sp>
+      <p:cxnSp>
+        <p:nvCxnSpPr>
+          <p:cNvPr id="17" name="Straight Arrow Connector 16">
+            <a:extLst>
+              <a:ext uri="{FF2B5EF4-FFF2-40B4-BE49-F238E27FC236}">
+                <a16:creationId xmlns:a16="http://schemas.microsoft.com/office/drawing/2014/main" id="{34546FBD-9A0F-4AC8-828E-F50717DEAD90}"/>
+              </a:ext>
+            </a:extLst>
+          </p:cNvPr>
+          <p:cNvCxnSpPr>
+            <a:cxnSpLocks/>
+          </p:cNvCxnSpPr>
+          <p:nvPr/>
+        </p:nvCxnSpPr>
+        <p:spPr>
+          <a:xfrm flipH="1">
             <a:off x="4822371" y="2574894"/>
             <a:ext cx="305073" cy="0"/>
           </a:xfrm>
@@ -6769,10 +9095,10 @@
       </p:cxnSp>
       <p:sp>
         <p:nvSpPr>
-          <p:cNvPr id="10" name="TextBox 9">
-            <a:extLst>
-              <a:ext uri="{FF2B5EF4-FFF2-40B4-BE49-F238E27FC236}">
-                <a16:creationId xmlns:a16="http://schemas.microsoft.com/office/drawing/2014/main" id="{A6994E22-452C-4F6A-9847-4D8614B7EC28}"/>
+          <p:cNvPr id="18" name="TextBox 17">
+            <a:extLst>
+              <a:ext uri="{FF2B5EF4-FFF2-40B4-BE49-F238E27FC236}">
+                <a16:creationId xmlns:a16="http://schemas.microsoft.com/office/drawing/2014/main" id="{59A10A24-CFEE-42BD-B939-C1E4C979776B}"/>
               </a:ext>
             </a:extLst>
           </p:cNvPr>
@@ -6781,8 +9107,8 @@
         </p:nvSpPr>
         <p:spPr>
           <a:xfrm>
-            <a:off x="5142276" y="2397736"/>
-            <a:ext cx="3023369" cy="307777"/>
+            <a:off x="5142276" y="2405687"/>
+            <a:ext cx="3023369" cy="292388"/>
           </a:xfrm>
           <a:prstGeom prst="rect">
             <a:avLst/>
@@ -6796,7 +9122,7 @@
           <a:lstStyle/>
           <a:p>
             <a:r>
-              <a:rPr lang="en-US" sz="1400" dirty="0" err="1">
+              <a:rPr lang="en-US" sz="1300" dirty="0" err="1">
                 <a:solidFill>
                   <a:srgbClr val="C00000"/>
                 </a:solidFill>
@@ -6804,7 +9130,7 @@
               <a:t>Levenshtein</a:t>
             </a:r>
             <a:r>
-              <a:rPr lang="en-US" sz="1400" dirty="0">
+              <a:rPr lang="en-US" sz="1300" dirty="0">
                 <a:solidFill>
                   <a:srgbClr val="C00000"/>
                 </a:solidFill>
@@ -6817,7 +9143,7 @@
     </p:spTree>
     <p:extLst>
       <p:ext uri="{BB962C8B-B14F-4D97-AF65-F5344CB8AC3E}">
-        <p14:creationId xmlns:p14="http://schemas.microsoft.com/office/powerpoint/2010/main" val="2023152255"/>
+        <p14:creationId xmlns:p14="http://schemas.microsoft.com/office/powerpoint/2010/main" val="2389833873"/>
       </p:ext>
     </p:extLst>
   </p:cSld>

--- a/Presentations/SCiP 2020.pptx
+++ b/Presentations/SCiP 2020.pptx
@@ -5,7 +5,7 @@
     <p:sldMasterId id="2147493496" r:id="rId1"/>
   </p:sldMasterIdLst>
   <p:notesMasterIdLst>
-    <p:notesMasterId r:id="rId22"/>
+    <p:notesMasterId r:id="rId23"/>
   </p:notesMasterIdLst>
   <p:sldIdLst>
     <p:sldId id="257" r:id="rId2"/>
@@ -21,13 +21,14 @@
     <p:sldId id="289" r:id="rId12"/>
     <p:sldId id="277" r:id="rId13"/>
     <p:sldId id="295" r:id="rId14"/>
-    <p:sldId id="294" r:id="rId15"/>
-    <p:sldId id="279" r:id="rId16"/>
-    <p:sldId id="269" r:id="rId17"/>
-    <p:sldId id="280" r:id="rId18"/>
-    <p:sldId id="282" r:id="rId19"/>
-    <p:sldId id="281" r:id="rId20"/>
-    <p:sldId id="265" r:id="rId21"/>
+    <p:sldId id="279" r:id="rId15"/>
+    <p:sldId id="269" r:id="rId16"/>
+    <p:sldId id="280" r:id="rId17"/>
+    <p:sldId id="282" r:id="rId18"/>
+    <p:sldId id="281" r:id="rId19"/>
+    <p:sldId id="265" r:id="rId20"/>
+    <p:sldId id="297" r:id="rId21"/>
+    <p:sldId id="296" r:id="rId22"/>
   </p:sldIdLst>
   <p:sldSz cx="9144000" cy="5143500" type="screen16x9"/>
   <p:notesSz cx="6858000" cy="9144000"/>
@@ -4175,6 +4176,49 @@
           </a:p>
         </p:txBody>
       </p:sp>
+      <p:sp>
+        <p:nvSpPr>
+          <p:cNvPr id="4" name="TextBox 3">
+            <a:extLst>
+              <a:ext uri="{FF2B5EF4-FFF2-40B4-BE49-F238E27FC236}">
+                <a16:creationId xmlns:a16="http://schemas.microsoft.com/office/drawing/2014/main" id="{5BEF0A4B-C08B-478E-9767-C7B445FE6DA0}"/>
+              </a:ext>
+            </a:extLst>
+          </p:cNvPr>
+          <p:cNvSpPr txBox="1"/>
+          <p:nvPr/>
+        </p:nvSpPr>
+        <p:spPr>
+          <a:xfrm>
+            <a:off x="103572" y="3061603"/>
+            <a:ext cx="7886699" cy="338554"/>
+          </a:xfrm>
+          <a:prstGeom prst="rect">
+            <a:avLst/>
+          </a:prstGeom>
+          <a:noFill/>
+        </p:spPr>
+        <p:txBody>
+          <a:bodyPr wrap="square" rtlCol="0">
+            <a:spAutoFit/>
+          </a:bodyPr>
+          <a:lstStyle/>
+          <a:p>
+            <a:r>
+              <a:rPr lang="en-US" sz="1600" dirty="0"/>
+              <a:t>Can use </a:t>
+            </a:r>
+            <a:r>
+              <a:rPr lang="en-US" sz="1600" dirty="0" err="1"/>
+              <a:t>arrange_data</a:t>
+            </a:r>
+            <a:r>
+              <a:rPr lang="en-US" sz="1600" dirty="0"/>
+              <a:t>() function to quickly convert free recall data from wide to long format!</a:t>
+            </a:r>
+          </a:p>
+        </p:txBody>
+      </p:sp>
     </p:spTree>
     <p:extLst>
       <p:ext uri="{BB962C8B-B14F-4D97-AF65-F5344CB8AC3E}">
@@ -4265,6 +4309,51 @@
                       </p:childTnLst>
                     </p:cTn>
                   </p:par>
+                  <p:par>
+                    <p:cTn id="9" fill="hold">
+                      <p:stCondLst>
+                        <p:cond delay="indefinite"/>
+                      </p:stCondLst>
+                      <p:childTnLst>
+                        <p:par>
+                          <p:cTn id="10" fill="hold">
+                            <p:stCondLst>
+                              <p:cond delay="0"/>
+                            </p:stCondLst>
+                            <p:childTnLst>
+                              <p:par>
+                                <p:cTn id="11" presetID="1" presetClass="entr" presetSubtype="0" fill="hold" grpId="0" nodeType="clickEffect">
+                                  <p:stCondLst>
+                                    <p:cond delay="0"/>
+                                  </p:stCondLst>
+                                  <p:childTnLst>
+                                    <p:set>
+                                      <p:cBhvr>
+                                        <p:cTn id="12" dur="1" fill="hold">
+                                          <p:stCondLst>
+                                            <p:cond delay="0"/>
+                                          </p:stCondLst>
+                                        </p:cTn>
+                                        <p:tgtEl>
+                                          <p:spTgt spid="4"/>
+                                        </p:tgtEl>
+                                        <p:attrNameLst>
+                                          <p:attrName>style.visibility</p:attrName>
+                                        </p:attrNameLst>
+                                      </p:cBhvr>
+                                      <p:to>
+                                        <p:strVal val="visible"/>
+                                      </p:to>
+                                    </p:set>
+                                  </p:childTnLst>
+                                </p:cTn>
+                              </p:par>
+                            </p:childTnLst>
+                          </p:cTn>
+                        </p:par>
+                      </p:childTnLst>
+                    </p:cTn>
+                  </p:par>
                 </p:childTnLst>
               </p:cTn>
               <p:prevCondLst>
@@ -4288,328 +4377,13 @@
     </p:tnLst>
     <p:bldLst>
       <p:bldP spid="7" grpId="0"/>
+      <p:bldP spid="4" grpId="0"/>
     </p:bldLst>
   </p:timing>
 </p:sld>
 </file>
 
 <file path=ppt/slides/slide14.xml><?xml version="1.0" encoding="utf-8"?>
-<p:sld xmlns:a="http://schemas.openxmlformats.org/drawingml/2006/main" xmlns:r="http://schemas.openxmlformats.org/officeDocument/2006/relationships" xmlns:p="http://schemas.openxmlformats.org/presentationml/2006/main">
-  <p:cSld>
-    <p:bg>
-      <p:bgPr>
-        <a:solidFill>
-          <a:schemeClr val="bg1"/>
-        </a:solidFill>
-        <a:effectLst/>
-      </p:bgPr>
-    </p:bg>
-    <p:spTree>
-      <p:nvGrpSpPr>
-        <p:cNvPr id="1" name=""/>
-        <p:cNvGrpSpPr/>
-        <p:nvPr/>
-      </p:nvGrpSpPr>
-      <p:grpSpPr>
-        <a:xfrm>
-          <a:off x="0" y="0"/>
-          <a:ext cx="0" cy="0"/>
-          <a:chOff x="0" y="0"/>
-          <a:chExt cx="0" cy="0"/>
-        </a:xfrm>
-      </p:grpSpPr>
-      <p:sp>
-        <p:nvSpPr>
-          <p:cNvPr id="2" name="Title 1">
-            <a:extLst>
-              <a:ext uri="{FF2B5EF4-FFF2-40B4-BE49-F238E27FC236}">
-                <a16:creationId xmlns:a16="http://schemas.microsoft.com/office/drawing/2014/main" id="{6C114157-DB5F-4543-B784-310D8CAF757E}"/>
-              </a:ext>
-            </a:extLst>
-          </p:cNvPr>
-          <p:cNvSpPr>
-            <a:spLocks noGrp="1"/>
-          </p:cNvSpPr>
-          <p:nvPr>
-            <p:ph type="title"/>
-          </p:nvPr>
-        </p:nvSpPr>
-        <p:spPr>
-          <a:xfrm>
-            <a:off x="183377" y="90964"/>
-            <a:ext cx="7886700" cy="994172"/>
-          </a:xfrm>
-        </p:spPr>
-        <p:txBody>
-          <a:bodyPr/>
-          <a:lstStyle/>
-          <a:p>
-            <a:r>
-              <a:rPr lang="en-US" dirty="0"/>
-              <a:t>Free Recall</a:t>
-            </a:r>
-          </a:p>
-        </p:txBody>
-      </p:sp>
-      <p:sp>
-        <p:nvSpPr>
-          <p:cNvPr id="3" name="Content Placeholder 2">
-            <a:extLst>
-              <a:ext uri="{FF2B5EF4-FFF2-40B4-BE49-F238E27FC236}">
-                <a16:creationId xmlns:a16="http://schemas.microsoft.com/office/drawing/2014/main" id="{AE461799-B8CB-4233-9B80-83BE969D4CC5}"/>
-              </a:ext>
-            </a:extLst>
-          </p:cNvPr>
-          <p:cNvSpPr>
-            <a:spLocks noGrp="1"/>
-          </p:cNvSpPr>
-          <p:nvPr>
-            <p:ph idx="1"/>
-          </p:nvPr>
-        </p:nvSpPr>
-        <p:spPr>
-          <a:xfrm>
-            <a:off x="183377" y="1085136"/>
-            <a:ext cx="7886700" cy="3075190"/>
-          </a:xfrm>
-        </p:spPr>
-        <p:txBody>
-          <a:bodyPr/>
-          <a:lstStyle/>
-          <a:p>
-            <a:r>
-              <a:rPr lang="en-US" dirty="0" err="1"/>
-              <a:t>prop_correct_free</a:t>
-            </a:r>
-            <a:r>
-              <a:rPr lang="en-US" dirty="0"/>
-              <a:t>()</a:t>
-            </a:r>
-          </a:p>
-        </p:txBody>
-      </p:sp>
-      <p:pic>
-        <p:nvPicPr>
-          <p:cNvPr id="5" name="Picture 4">
-            <a:extLst>
-              <a:ext uri="{FF2B5EF4-FFF2-40B4-BE49-F238E27FC236}">
-                <a16:creationId xmlns:a16="http://schemas.microsoft.com/office/drawing/2014/main" id="{AF7E12A9-2951-4D3C-8F2A-D4429D3FFB0D}"/>
-              </a:ext>
-            </a:extLst>
-          </p:cNvPr>
-          <p:cNvPicPr>
-            <a:picLocks noChangeAspect="1"/>
-          </p:cNvPicPr>
-          <p:nvPr/>
-        </p:nvPicPr>
-        <p:blipFill>
-          <a:blip r:embed="rId2"/>
-          <a:stretch>
-            <a:fillRect/>
-          </a:stretch>
-        </p:blipFill>
-        <p:spPr>
-          <a:xfrm>
-            <a:off x="252660" y="1717108"/>
-            <a:ext cx="5267325" cy="1057275"/>
-          </a:xfrm>
-          <a:prstGeom prst="rect">
-            <a:avLst/>
-          </a:prstGeom>
-        </p:spPr>
-      </p:pic>
-      <p:cxnSp>
-        <p:nvCxnSpPr>
-          <p:cNvPr id="6" name="Straight Arrow Connector 5">
-            <a:extLst>
-              <a:ext uri="{FF2B5EF4-FFF2-40B4-BE49-F238E27FC236}">
-                <a16:creationId xmlns:a16="http://schemas.microsoft.com/office/drawing/2014/main" id="{ADA559EC-D8E3-462B-A97A-01D4F142F941}"/>
-              </a:ext>
-            </a:extLst>
-          </p:cNvPr>
-          <p:cNvCxnSpPr>
-            <a:cxnSpLocks/>
-          </p:cNvCxnSpPr>
-          <p:nvPr/>
-        </p:nvCxnSpPr>
-        <p:spPr>
-          <a:xfrm flipH="1">
-            <a:off x="4733444" y="1774471"/>
-            <a:ext cx="305073" cy="0"/>
-          </a:xfrm>
-          <a:prstGeom prst="straightConnector1">
-            <a:avLst/>
-          </a:prstGeom>
-          <a:ln w="28575">
-            <a:solidFill>
-              <a:schemeClr val="tx1"/>
-            </a:solidFill>
-            <a:tailEnd type="triangle"/>
-          </a:ln>
-        </p:spPr>
-        <p:style>
-          <a:lnRef idx="1">
-            <a:schemeClr val="accent1"/>
-          </a:lnRef>
-          <a:fillRef idx="0">
-            <a:schemeClr val="accent1"/>
-          </a:fillRef>
-          <a:effectRef idx="0">
-            <a:schemeClr val="accent1"/>
-          </a:effectRef>
-          <a:fontRef idx="minor">
-            <a:schemeClr val="tx1"/>
-          </a:fontRef>
-        </p:style>
-      </p:cxnSp>
-      <p:sp>
-        <p:nvSpPr>
-          <p:cNvPr id="7" name="TextBox 6">
-            <a:extLst>
-              <a:ext uri="{FF2B5EF4-FFF2-40B4-BE49-F238E27FC236}">
-                <a16:creationId xmlns:a16="http://schemas.microsoft.com/office/drawing/2014/main" id="{F427E152-248E-4A77-A3F6-E8F37DB71E1D}"/>
-              </a:ext>
-            </a:extLst>
-          </p:cNvPr>
-          <p:cNvSpPr txBox="1"/>
-          <p:nvPr/>
-        </p:nvSpPr>
-        <p:spPr>
-          <a:xfrm>
-            <a:off x="5046708" y="1620233"/>
-            <a:ext cx="3023369" cy="292388"/>
-          </a:xfrm>
-          <a:prstGeom prst="rect">
-            <a:avLst/>
-          </a:prstGeom>
-          <a:noFill/>
-        </p:spPr>
-        <p:txBody>
-          <a:bodyPr wrap="square" rtlCol="0">
-            <a:spAutoFit/>
-          </a:bodyPr>
-          <a:lstStyle/>
-          <a:p>
-            <a:r>
-              <a:rPr lang="en-US" sz="1300" dirty="0"/>
-              <a:t>Note: Data will need to be in long format!</a:t>
-            </a:r>
-          </a:p>
-        </p:txBody>
-      </p:sp>
-      <p:cxnSp>
-        <p:nvCxnSpPr>
-          <p:cNvPr id="8" name="Straight Arrow Connector 7">
-            <a:extLst>
-              <a:ext uri="{FF2B5EF4-FFF2-40B4-BE49-F238E27FC236}">
-                <a16:creationId xmlns:a16="http://schemas.microsoft.com/office/drawing/2014/main" id="{FF6A8DD0-CE24-4A96-8718-3F2CDB80AFB2}"/>
-              </a:ext>
-            </a:extLst>
-          </p:cNvPr>
-          <p:cNvCxnSpPr>
-            <a:cxnSpLocks/>
-          </p:cNvCxnSpPr>
-          <p:nvPr/>
-        </p:nvCxnSpPr>
-        <p:spPr>
-          <a:xfrm flipH="1">
-            <a:off x="5214912" y="2092743"/>
-            <a:ext cx="305073" cy="0"/>
-          </a:xfrm>
-          <a:prstGeom prst="straightConnector1">
-            <a:avLst/>
-          </a:prstGeom>
-          <a:ln w="28575">
-            <a:solidFill>
-              <a:srgbClr val="C00000"/>
-            </a:solidFill>
-            <a:tailEnd type="triangle"/>
-          </a:ln>
-        </p:spPr>
-        <p:style>
-          <a:lnRef idx="1">
-            <a:schemeClr val="accent1"/>
-          </a:lnRef>
-          <a:fillRef idx="0">
-            <a:schemeClr val="accent1"/>
-          </a:fillRef>
-          <a:effectRef idx="0">
-            <a:schemeClr val="accent1"/>
-          </a:effectRef>
-          <a:fontRef idx="minor">
-            <a:schemeClr val="tx1"/>
-          </a:fontRef>
-        </p:style>
-      </p:cxnSp>
-      <p:sp>
-        <p:nvSpPr>
-          <p:cNvPr id="9" name="TextBox 8">
-            <a:extLst>
-              <a:ext uri="{FF2B5EF4-FFF2-40B4-BE49-F238E27FC236}">
-                <a16:creationId xmlns:a16="http://schemas.microsoft.com/office/drawing/2014/main" id="{02A613A3-DB23-4485-A1F5-1CF927AEB5AC}"/>
-              </a:ext>
-            </a:extLst>
-          </p:cNvPr>
-          <p:cNvSpPr txBox="1"/>
-          <p:nvPr/>
-        </p:nvSpPr>
-        <p:spPr>
-          <a:xfrm>
-            <a:off x="5519985" y="1933114"/>
-            <a:ext cx="3689904" cy="292388"/>
-          </a:xfrm>
-          <a:prstGeom prst="rect">
-            <a:avLst/>
-          </a:prstGeom>
-          <a:noFill/>
-        </p:spPr>
-        <p:txBody>
-          <a:bodyPr wrap="square" rtlCol="0">
-            <a:spAutoFit/>
-          </a:bodyPr>
-          <a:lstStyle/>
-          <a:p>
-            <a:r>
-              <a:rPr lang="en-US" sz="1300" dirty="0">
-                <a:solidFill>
-                  <a:srgbClr val="C00000"/>
-                </a:solidFill>
-              </a:rPr>
-              <a:t>Answer key can be stored in a different </a:t>
-            </a:r>
-            <a:r>
-              <a:rPr lang="en-US" sz="1300" dirty="0" err="1">
-                <a:solidFill>
-                  <a:srgbClr val="C00000"/>
-                </a:solidFill>
-              </a:rPr>
-              <a:t>dataframe</a:t>
-            </a:r>
-            <a:r>
-              <a:rPr lang="en-US" sz="1300" dirty="0">
-                <a:solidFill>
-                  <a:srgbClr val="C00000"/>
-                </a:solidFill>
-              </a:rPr>
-              <a:t>.</a:t>
-            </a:r>
-          </a:p>
-        </p:txBody>
-      </p:sp>
-    </p:spTree>
-    <p:extLst>
-      <p:ext uri="{BB962C8B-B14F-4D97-AF65-F5344CB8AC3E}">
-        <p14:creationId xmlns:p14="http://schemas.microsoft.com/office/powerpoint/2010/main" val="3081542802"/>
-      </p:ext>
-    </p:extLst>
-  </p:cSld>
-  <p:clrMapOvr>
-    <a:masterClrMapping/>
-  </p:clrMapOvr>
-</p:sld>
-</file>
-
-<file path=ppt/slides/slide15.xml><?xml version="1.0" encoding="utf-8"?>
 <p:sld xmlns:a="http://schemas.openxmlformats.org/drawingml/2006/main" xmlns:r="http://schemas.openxmlformats.org/officeDocument/2006/relationships" xmlns:p="http://schemas.openxmlformats.org/presentationml/2006/main">
   <p:cSld>
     <p:bg>
@@ -4882,7 +4656,7 @@
 </p:sld>
 </file>
 
-<file path=ppt/slides/slide16.xml><?xml version="1.0" encoding="utf-8"?>
+<file path=ppt/slides/slide15.xml><?xml version="1.0" encoding="utf-8"?>
 <p:sld xmlns:a="http://schemas.openxmlformats.org/drawingml/2006/main" xmlns:r="http://schemas.openxmlformats.org/officeDocument/2006/relationships" xmlns:p="http://schemas.openxmlformats.org/presentationml/2006/main">
   <p:cSld>
     <p:bg>
@@ -5208,6 +4982,173 @@
 </p:sld>
 </file>
 
+<file path=ppt/slides/slide16.xml><?xml version="1.0" encoding="utf-8"?>
+<p:sld xmlns:a="http://schemas.openxmlformats.org/drawingml/2006/main" xmlns:r="http://schemas.openxmlformats.org/officeDocument/2006/relationships" xmlns:p="http://schemas.openxmlformats.org/presentationml/2006/main">
+  <p:cSld>
+    <p:bg>
+      <p:bgPr>
+        <a:solidFill>
+          <a:schemeClr val="bg1"/>
+        </a:solidFill>
+        <a:effectLst/>
+      </p:bgPr>
+    </p:bg>
+    <p:spTree>
+      <p:nvGrpSpPr>
+        <p:cNvPr id="1" name=""/>
+        <p:cNvGrpSpPr/>
+        <p:nvPr/>
+      </p:nvGrpSpPr>
+      <p:grpSpPr>
+        <a:xfrm>
+          <a:off x="0" y="0"/>
+          <a:ext cx="0" cy="0"/>
+          <a:chOff x="0" y="0"/>
+          <a:chExt cx="0" cy="0"/>
+        </a:xfrm>
+      </p:grpSpPr>
+      <p:sp>
+        <p:nvSpPr>
+          <p:cNvPr id="2" name="Title 1">
+            <a:extLst>
+              <a:ext uri="{FF2B5EF4-FFF2-40B4-BE49-F238E27FC236}">
+                <a16:creationId xmlns:a16="http://schemas.microsoft.com/office/drawing/2014/main" id="{6C114157-DB5F-4543-B784-310D8CAF757E}"/>
+              </a:ext>
+            </a:extLst>
+          </p:cNvPr>
+          <p:cNvSpPr>
+            <a:spLocks noGrp="1"/>
+          </p:cNvSpPr>
+          <p:nvPr>
+            <p:ph type="title"/>
+          </p:nvPr>
+        </p:nvSpPr>
+        <p:spPr>
+          <a:xfrm>
+            <a:off x="167095" y="117090"/>
+            <a:ext cx="7886700" cy="994172"/>
+          </a:xfrm>
+        </p:spPr>
+        <p:txBody>
+          <a:bodyPr/>
+          <a:lstStyle/>
+          <a:p>
+            <a:r>
+              <a:rPr lang="en-US" dirty="0"/>
+              <a:t>Sentences</a:t>
+            </a:r>
+          </a:p>
+        </p:txBody>
+      </p:sp>
+      <p:sp>
+        <p:nvSpPr>
+          <p:cNvPr id="3" name="Content Placeholder 2">
+            <a:extLst>
+              <a:ext uri="{FF2B5EF4-FFF2-40B4-BE49-F238E27FC236}">
+                <a16:creationId xmlns:a16="http://schemas.microsoft.com/office/drawing/2014/main" id="{AE461799-B8CB-4233-9B80-83BE969D4CC5}"/>
+              </a:ext>
+            </a:extLst>
+          </p:cNvPr>
+          <p:cNvSpPr>
+            <a:spLocks noGrp="1"/>
+          </p:cNvSpPr>
+          <p:nvPr>
+            <p:ph idx="1"/>
+          </p:nvPr>
+        </p:nvSpPr>
+        <p:spPr>
+          <a:xfrm>
+            <a:off x="167095" y="898956"/>
+            <a:ext cx="7886700" cy="3075190"/>
+          </a:xfrm>
+        </p:spPr>
+        <p:txBody>
+          <a:bodyPr/>
+          <a:lstStyle/>
+          <a:p>
+            <a:r>
+              <a:rPr lang="en-US" dirty="0" err="1"/>
+              <a:t>prop_correct_sentence</a:t>
+            </a:r>
+            <a:r>
+              <a:rPr lang="en-US" dirty="0"/>
+              <a:t>()</a:t>
+            </a:r>
+          </a:p>
+        </p:txBody>
+      </p:sp>
+      <p:pic>
+        <p:nvPicPr>
+          <p:cNvPr id="4" name="Picture 3">
+            <a:extLst>
+              <a:ext uri="{FF2B5EF4-FFF2-40B4-BE49-F238E27FC236}">
+                <a16:creationId xmlns:a16="http://schemas.microsoft.com/office/drawing/2014/main" id="{C08F14A2-7B8B-4969-85FC-BD57375ECB13}"/>
+              </a:ext>
+            </a:extLst>
+          </p:cNvPr>
+          <p:cNvPicPr>
+            <a:picLocks noChangeAspect="1"/>
+          </p:cNvPicPr>
+          <p:nvPr/>
+        </p:nvPicPr>
+        <p:blipFill>
+          <a:blip r:embed="rId2"/>
+          <a:stretch>
+            <a:fillRect/>
+          </a:stretch>
+        </p:blipFill>
+        <p:spPr>
+          <a:xfrm>
+            <a:off x="465317" y="1510928"/>
+            <a:ext cx="3124200" cy="1724025"/>
+          </a:xfrm>
+          <a:prstGeom prst="rect">
+            <a:avLst/>
+          </a:prstGeom>
+        </p:spPr>
+      </p:pic>
+      <p:pic>
+        <p:nvPicPr>
+          <p:cNvPr id="7" name="Picture 6">
+            <a:extLst>
+              <a:ext uri="{FF2B5EF4-FFF2-40B4-BE49-F238E27FC236}">
+                <a16:creationId xmlns:a16="http://schemas.microsoft.com/office/drawing/2014/main" id="{BE130ABF-DCED-4AFE-BD07-C082521561EE}"/>
+              </a:ext>
+            </a:extLst>
+          </p:cNvPr>
+          <p:cNvPicPr>
+            <a:picLocks noChangeAspect="1"/>
+          </p:cNvPicPr>
+          <p:nvPr/>
+        </p:nvPicPr>
+        <p:blipFill rotWithShape="1">
+          <a:blip r:embed="rId3"/>
+          <a:srcRect r="36304"/>
+          <a:stretch/>
+        </p:blipFill>
+        <p:spPr>
+          <a:xfrm>
+            <a:off x="335418" y="3321463"/>
+            <a:ext cx="8523099" cy="1230659"/>
+          </a:xfrm>
+          <a:prstGeom prst="rect">
+            <a:avLst/>
+          </a:prstGeom>
+        </p:spPr>
+      </p:pic>
+    </p:spTree>
+    <p:extLst>
+      <p:ext uri="{BB962C8B-B14F-4D97-AF65-F5344CB8AC3E}">
+        <p14:creationId xmlns:p14="http://schemas.microsoft.com/office/powerpoint/2010/main" val="3401527734"/>
+      </p:ext>
+    </p:extLst>
+  </p:cSld>
+  <p:clrMapOvr>
+    <a:masterClrMapping/>
+  </p:clrMapOvr>
+</p:sld>
+</file>
+
 <file path=ppt/slides/slide17.xml><?xml version="1.0" encoding="utf-8"?>
 <p:sld xmlns:a="http://schemas.openxmlformats.org/drawingml/2006/main" xmlns:r="http://schemas.openxmlformats.org/officeDocument/2006/relationships" xmlns:p="http://schemas.openxmlformats.org/presentationml/2006/main">
   <p:cSld>
@@ -5335,10 +5276,10 @@
       </p:pic>
       <p:pic>
         <p:nvPicPr>
-          <p:cNvPr id="7" name="Picture 6">
-            <a:extLst>
-              <a:ext uri="{FF2B5EF4-FFF2-40B4-BE49-F238E27FC236}">
-                <a16:creationId xmlns:a16="http://schemas.microsoft.com/office/drawing/2014/main" id="{BE130ABF-DCED-4AFE-BD07-C082521561EE}"/>
+          <p:cNvPr id="5" name="Picture 4">
+            <a:extLst>
+              <a:ext uri="{FF2B5EF4-FFF2-40B4-BE49-F238E27FC236}">
+                <a16:creationId xmlns:a16="http://schemas.microsoft.com/office/drawing/2014/main" id="{184D2F35-CA96-4702-9D04-EC84526C99C8}"/>
               </a:ext>
             </a:extLst>
           </p:cNvPr>
@@ -5349,13 +5290,13 @@
         </p:nvPicPr>
         <p:blipFill rotWithShape="1">
           <a:blip r:embed="rId3"/>
-          <a:srcRect r="36304"/>
+          <a:srcRect l="63551"/>
           <a:stretch/>
         </p:blipFill>
         <p:spPr>
           <a:xfrm>
-            <a:off x="335418" y="3321463"/>
-            <a:ext cx="8523099" cy="1230659"/>
+            <a:off x="335417" y="3321463"/>
+            <a:ext cx="5389339" cy="1359867"/>
           </a:xfrm>
           <a:prstGeom prst="rect">
             <a:avLst/>
@@ -5365,7 +5306,7 @@
     </p:spTree>
     <p:extLst>
       <p:ext uri="{BB962C8B-B14F-4D97-AF65-F5344CB8AC3E}">
-        <p14:creationId xmlns:p14="http://schemas.microsoft.com/office/powerpoint/2010/main" val="3401527734"/>
+        <p14:creationId xmlns:p14="http://schemas.microsoft.com/office/powerpoint/2010/main" val="3845985057"/>
       </p:ext>
     </p:extLst>
   </p:cSld>
@@ -5505,7 +5446,7 @@
           <p:cNvPr id="5" name="Picture 4">
             <a:extLst>
               <a:ext uri="{FF2B5EF4-FFF2-40B4-BE49-F238E27FC236}">
-                <a16:creationId xmlns:a16="http://schemas.microsoft.com/office/drawing/2014/main" id="{184D2F35-CA96-4702-9D04-EC84526C99C8}"/>
+                <a16:creationId xmlns:a16="http://schemas.microsoft.com/office/drawing/2014/main" id="{AB1CEF76-2E54-4968-BBF0-D73E192ACA2E}"/>
               </a:ext>
             </a:extLst>
           </p:cNvPr>
@@ -5514,15 +5455,16 @@
           </p:cNvPicPr>
           <p:nvPr/>
         </p:nvPicPr>
-        <p:blipFill rotWithShape="1">
+        <p:blipFill>
           <a:blip r:embed="rId3"/>
-          <a:srcRect l="63551"/>
-          <a:stretch/>
+          <a:stretch>
+            <a:fillRect/>
+          </a:stretch>
         </p:blipFill>
         <p:spPr>
           <a:xfrm>
-            <a:off x="335417" y="3321463"/>
-            <a:ext cx="5389339" cy="1359867"/>
+            <a:off x="465317" y="3450271"/>
+            <a:ext cx="5486400" cy="1047750"/>
           </a:xfrm>
           <a:prstGeom prst="rect">
             <a:avLst/>
@@ -5532,7 +5474,7 @@
     </p:spTree>
     <p:extLst>
       <p:ext uri="{BB962C8B-B14F-4D97-AF65-F5344CB8AC3E}">
-        <p14:creationId xmlns:p14="http://schemas.microsoft.com/office/powerpoint/2010/main" val="3845985057"/>
+        <p14:creationId xmlns:p14="http://schemas.microsoft.com/office/powerpoint/2010/main" val="1834782453"/>
       </p:ext>
     </p:extLst>
   </p:cSld>
@@ -5572,7 +5514,7 @@
           <p:cNvPr id="2" name="Title 1">
             <a:extLst>
               <a:ext uri="{FF2B5EF4-FFF2-40B4-BE49-F238E27FC236}">
-                <a16:creationId xmlns:a16="http://schemas.microsoft.com/office/drawing/2014/main" id="{6C114157-DB5F-4543-B784-310D8CAF757E}"/>
+                <a16:creationId xmlns:a16="http://schemas.microsoft.com/office/drawing/2014/main" id="{975DF1E9-0AE9-453B-9B4C-D87A74272AF3}"/>
               </a:ext>
             </a:extLst>
           </p:cNvPr>
@@ -5585,27 +5527,33 @@
         </p:nvSpPr>
         <p:spPr>
           <a:xfrm>
-            <a:off x="167095" y="117090"/>
+            <a:off x="628650" y="202005"/>
             <a:ext cx="7886700" cy="994172"/>
           </a:xfrm>
         </p:spPr>
         <p:txBody>
-          <a:bodyPr/>
+          <a:bodyPr>
+            <a:normAutofit/>
+          </a:bodyPr>
           <a:lstStyle/>
           <a:p>
             <a:r>
-              <a:rPr lang="en-US" dirty="0"/>
-              <a:t>Sentences</a:t>
+              <a:rPr lang="en-US" sz="3200" dirty="0" err="1"/>
+              <a:t>lrd</a:t>
+            </a:r>
+            <a:r>
+              <a:rPr lang="en-US" sz="3200" dirty="0"/>
+              <a:t> Shiny Application</a:t>
             </a:r>
           </a:p>
         </p:txBody>
       </p:sp>
       <p:sp>
         <p:nvSpPr>
-          <p:cNvPr id="3" name="Content Placeholder 2">
-            <a:extLst>
-              <a:ext uri="{FF2B5EF4-FFF2-40B4-BE49-F238E27FC236}">
-                <a16:creationId xmlns:a16="http://schemas.microsoft.com/office/drawing/2014/main" id="{AE461799-B8CB-4233-9B80-83BE969D4CC5}"/>
+          <p:cNvPr id="7" name="Content Placeholder 6">
+            <a:extLst>
+              <a:ext uri="{FF2B5EF4-FFF2-40B4-BE49-F238E27FC236}">
+                <a16:creationId xmlns:a16="http://schemas.microsoft.com/office/drawing/2014/main" id="{3A97E985-6C17-4FEA-82DB-54814CA9A0C6}"/>
               </a:ext>
             </a:extLst>
           </p:cNvPr>
@@ -5616,97 +5564,50 @@
             <p:ph idx="1"/>
           </p:nvPr>
         </p:nvSpPr>
-        <p:spPr>
-          <a:xfrm>
-            <a:off x="167095" y="898956"/>
-            <a:ext cx="7886700" cy="3075190"/>
-          </a:xfrm>
-        </p:spPr>
+        <p:spPr/>
         <p:txBody>
           <a:bodyPr/>
           <a:lstStyle/>
           <a:p>
             <a:r>
               <a:rPr lang="en-US" dirty="0" err="1"/>
-              <a:t>prop_correct_sentence</a:t>
+              <a:t>lrd</a:t>
             </a:r>
             <a:r>
               <a:rPr lang="en-US" dirty="0"/>
-              <a:t>()</a:t>
+              <a:t> is also available as an R Shiny application!</a:t>
+            </a:r>
+          </a:p>
+          <a:p>
+            <a:pPr lvl="1"/>
+            <a:r>
+              <a:rPr lang="en-US" dirty="0"/>
+              <a:t>https://github.com/npm27/lrd/</a:t>
             </a:r>
           </a:p>
         </p:txBody>
       </p:sp>
-      <p:pic>
-        <p:nvPicPr>
-          <p:cNvPr id="4" name="Picture 3">
-            <a:extLst>
-              <a:ext uri="{FF2B5EF4-FFF2-40B4-BE49-F238E27FC236}">
-                <a16:creationId xmlns:a16="http://schemas.microsoft.com/office/drawing/2014/main" id="{C08F14A2-7B8B-4969-85FC-BD57375ECB13}"/>
-              </a:ext>
-            </a:extLst>
-          </p:cNvPr>
-          <p:cNvPicPr>
-            <a:picLocks noChangeAspect="1"/>
-          </p:cNvPicPr>
-          <p:nvPr/>
-        </p:nvPicPr>
-        <p:blipFill>
-          <a:blip r:embed="rId2"/>
-          <a:stretch>
-            <a:fillRect/>
-          </a:stretch>
-        </p:blipFill>
-        <p:spPr>
-          <a:xfrm>
-            <a:off x="465317" y="1510928"/>
-            <a:ext cx="3124200" cy="1724025"/>
-          </a:xfrm>
-          <a:prstGeom prst="rect">
-            <a:avLst/>
-          </a:prstGeom>
-        </p:spPr>
-      </p:pic>
-      <p:pic>
-        <p:nvPicPr>
-          <p:cNvPr id="5" name="Picture 4">
-            <a:extLst>
-              <a:ext uri="{FF2B5EF4-FFF2-40B4-BE49-F238E27FC236}">
-                <a16:creationId xmlns:a16="http://schemas.microsoft.com/office/drawing/2014/main" id="{AB1CEF76-2E54-4968-BBF0-D73E192ACA2E}"/>
-              </a:ext>
-            </a:extLst>
-          </p:cNvPr>
-          <p:cNvPicPr>
-            <a:picLocks noChangeAspect="1"/>
-          </p:cNvPicPr>
-          <p:nvPr/>
-        </p:nvPicPr>
-        <p:blipFill>
-          <a:blip r:embed="rId3"/>
-          <a:stretch>
-            <a:fillRect/>
-          </a:stretch>
-        </p:blipFill>
-        <p:spPr>
-          <a:xfrm>
-            <a:off x="465317" y="3450271"/>
-            <a:ext cx="5486400" cy="1047750"/>
-          </a:xfrm>
-          <a:prstGeom prst="rect">
-            <a:avLst/>
-          </a:prstGeom>
-        </p:spPr>
-      </p:pic>
     </p:spTree>
+    <p:custDataLst>
+      <p:tags r:id="rId1"/>
+    </p:custDataLst>
     <p:extLst>
       <p:ext uri="{BB962C8B-B14F-4D97-AF65-F5344CB8AC3E}">
-        <p14:creationId xmlns:p14="http://schemas.microsoft.com/office/powerpoint/2010/main" val="1834782453"/>
+        <p14:creationId xmlns:p14="http://schemas.microsoft.com/office/powerpoint/2010/main" val="1650040002"/>
       </p:ext>
     </p:extLst>
   </p:cSld>
   <p:clrMapOvr>
     <a:masterClrMapping/>
   </p:clrMapOvr>
+  <mc:AlternateContent xmlns:mc="http://schemas.openxmlformats.org/markup-compatibility/2006" xmlns:p14="http://schemas.microsoft.com/office/powerpoint/2010/main">
+    <mc:Choice Requires="p14">
+      <p:transition spd="slow" p14:dur="2000" advTm="98023"/>
+    </mc:Choice>
+    <mc:Fallback xmlns="">
+      <p:transition spd="slow" advTm="98023"/>
+    </mc:Fallback>
+  </mc:AlternateContent>
 </p:sld>
 </file>
 
@@ -6210,7 +6111,7 @@
           <p:cNvPr id="2" name="Title 1">
             <a:extLst>
               <a:ext uri="{FF2B5EF4-FFF2-40B4-BE49-F238E27FC236}">
-                <a16:creationId xmlns:a16="http://schemas.microsoft.com/office/drawing/2014/main" id="{975DF1E9-0AE9-453B-9B4C-D87A74272AF3}"/>
+                <a16:creationId xmlns:a16="http://schemas.microsoft.com/office/drawing/2014/main" id="{2C7F63A0-35E9-42A5-B80B-260207A99B9F}"/>
               </a:ext>
             </a:extLst>
           </p:cNvPr>
@@ -6221,35 +6122,24 @@
             <p:ph type="title"/>
           </p:nvPr>
         </p:nvSpPr>
-        <p:spPr>
-          <a:xfrm>
-            <a:off x="628650" y="202005"/>
-            <a:ext cx="7886700" cy="994172"/>
-          </a:xfrm>
-        </p:spPr>
+        <p:spPr/>
         <p:txBody>
-          <a:bodyPr>
-            <a:normAutofit/>
-          </a:bodyPr>
+          <a:bodyPr/>
           <a:lstStyle/>
           <a:p>
             <a:r>
-              <a:rPr lang="en-US" sz="3200" dirty="0" err="1"/>
-              <a:t>lrd</a:t>
-            </a:r>
-            <a:r>
-              <a:rPr lang="en-US" sz="3200" dirty="0"/>
-              <a:t> Shiny Application</a:t>
+              <a:rPr lang="en-US" dirty="0"/>
+              <a:t>Summary</a:t>
             </a:r>
           </a:p>
         </p:txBody>
       </p:sp>
       <p:sp>
         <p:nvSpPr>
-          <p:cNvPr id="7" name="Content Placeholder 6">
-            <a:extLst>
-              <a:ext uri="{FF2B5EF4-FFF2-40B4-BE49-F238E27FC236}">
-                <a16:creationId xmlns:a16="http://schemas.microsoft.com/office/drawing/2014/main" id="{3A97E985-6C17-4FEA-82DB-54814CA9A0C6}"/>
+          <p:cNvPr id="3" name="Content Placeholder 2">
+            <a:extLst>
+              <a:ext uri="{FF2B5EF4-FFF2-40B4-BE49-F238E27FC236}">
+                <a16:creationId xmlns:a16="http://schemas.microsoft.com/office/drawing/2014/main" id="{9A8D6A74-E591-433F-8679-4707003C8C14}"/>
               </a:ext>
             </a:extLst>
           </p:cNvPr>
@@ -6271,39 +6161,130 @@
             </a:r>
             <a:r>
               <a:rPr lang="en-US" dirty="0"/>
-              <a:t> is also available as an R Shiny application!</a:t>
-            </a:r>
-          </a:p>
-          <a:p>
-            <a:pPr lvl="1"/>
+              <a:t> allows researchers to </a:t>
+            </a:r>
+            <a:r>
+              <a:rPr lang="en-US"/>
+              <a:t>quickly score </a:t>
+            </a:r>
             <a:r>
               <a:rPr lang="en-US" dirty="0"/>
-              <a:t>https://github.com/npm27/lrd/</a:t>
+              <a:t>several types of recall data</a:t>
+            </a:r>
+          </a:p>
+          <a:p>
+            <a:r>
+              <a:rPr lang="en-US" dirty="0"/>
+              <a:t>The goal is to provide a standardized, open-source method for processing lexical output across psychological studies.</a:t>
             </a:r>
           </a:p>
         </p:txBody>
       </p:sp>
     </p:spTree>
-    <p:custDataLst>
-      <p:tags r:id="rId1"/>
-    </p:custDataLst>
     <p:extLst>
       <p:ext uri="{BB962C8B-B14F-4D97-AF65-F5344CB8AC3E}">
-        <p14:creationId xmlns:p14="http://schemas.microsoft.com/office/powerpoint/2010/main" val="1650040002"/>
+        <p14:creationId xmlns:p14="http://schemas.microsoft.com/office/powerpoint/2010/main" val="1388640223"/>
       </p:ext>
     </p:extLst>
   </p:cSld>
   <p:clrMapOvr>
     <a:masterClrMapping/>
   </p:clrMapOvr>
-  <mc:AlternateContent xmlns:mc="http://schemas.openxmlformats.org/markup-compatibility/2006" xmlns:p14="http://schemas.microsoft.com/office/powerpoint/2010/main">
-    <mc:Choice Requires="p14">
-      <p:transition spd="slow" p14:dur="2000" advTm="98023"/>
-    </mc:Choice>
-    <mc:Fallback xmlns="">
-      <p:transition spd="slow" advTm="98023"/>
-    </mc:Fallback>
-  </mc:AlternateContent>
+</p:sld>
+</file>
+
+<file path=ppt/slides/slide21.xml><?xml version="1.0" encoding="utf-8"?>
+<p:sld xmlns:a="http://schemas.openxmlformats.org/drawingml/2006/main" xmlns:r="http://schemas.openxmlformats.org/officeDocument/2006/relationships" xmlns:p="http://schemas.openxmlformats.org/presentationml/2006/main">
+  <p:cSld>
+    <p:bg>
+      <p:bgPr>
+        <a:solidFill>
+          <a:schemeClr val="bg1"/>
+        </a:solidFill>
+        <a:effectLst/>
+      </p:bgPr>
+    </p:bg>
+    <p:spTree>
+      <p:nvGrpSpPr>
+        <p:cNvPr id="1" name=""/>
+        <p:cNvGrpSpPr/>
+        <p:nvPr/>
+      </p:nvGrpSpPr>
+      <p:grpSpPr>
+        <a:xfrm>
+          <a:off x="0" y="0"/>
+          <a:ext cx="0" cy="0"/>
+          <a:chOff x="0" y="0"/>
+          <a:chExt cx="0" cy="0"/>
+        </a:xfrm>
+      </p:grpSpPr>
+      <p:sp>
+        <p:nvSpPr>
+          <p:cNvPr id="4" name="Title 3">
+            <a:extLst>
+              <a:ext uri="{FF2B5EF4-FFF2-40B4-BE49-F238E27FC236}">
+                <a16:creationId xmlns:a16="http://schemas.microsoft.com/office/drawing/2014/main" id="{A0FF33C2-1ABB-4975-89F1-B56F3EA03E2A}"/>
+              </a:ext>
+            </a:extLst>
+          </p:cNvPr>
+          <p:cNvSpPr>
+            <a:spLocks noGrp="1"/>
+          </p:cNvSpPr>
+          <p:nvPr>
+            <p:ph type="ctrTitle"/>
+          </p:nvPr>
+        </p:nvSpPr>
+        <p:spPr/>
+        <p:txBody>
+          <a:bodyPr/>
+          <a:lstStyle/>
+          <a:p>
+            <a:r>
+              <a:rPr lang="en-US" dirty="0">
+                <a:solidFill>
+                  <a:schemeClr val="accent1"/>
+                </a:solidFill>
+              </a:rPr>
+              <a:t>Questions?</a:t>
+            </a:r>
+          </a:p>
+        </p:txBody>
+      </p:sp>
+      <p:sp>
+        <p:nvSpPr>
+          <p:cNvPr id="5" name="Subtitle 4">
+            <a:extLst>
+              <a:ext uri="{FF2B5EF4-FFF2-40B4-BE49-F238E27FC236}">
+                <a16:creationId xmlns:a16="http://schemas.microsoft.com/office/drawing/2014/main" id="{3B588CDB-83F3-4F93-94EA-82955AF1498F}"/>
+              </a:ext>
+            </a:extLst>
+          </p:cNvPr>
+          <p:cNvSpPr>
+            <a:spLocks noGrp="1"/>
+          </p:cNvSpPr>
+          <p:nvPr>
+            <p:ph type="subTitle" idx="1"/>
+          </p:nvPr>
+        </p:nvSpPr>
+        <p:spPr/>
+        <p:txBody>
+          <a:bodyPr/>
+          <a:lstStyle/>
+          <a:p>
+            <a:endParaRPr lang="en-US"/>
+          </a:p>
+        </p:txBody>
+      </p:sp>
+    </p:spTree>
+    <p:extLst>
+      <p:ext uri="{BB962C8B-B14F-4D97-AF65-F5344CB8AC3E}">
+        <p14:creationId xmlns:p14="http://schemas.microsoft.com/office/powerpoint/2010/main" val="1459554017"/>
+      </p:ext>
+    </p:extLst>
+  </p:cSld>
+  <p:clrMapOvr>
+    <a:masterClrMapping/>
+  </p:clrMapOvr>
 </p:sld>
 </file>
 
@@ -6383,9 +6364,16 @@
             <p:ph idx="1"/>
           </p:nvPr>
         </p:nvSpPr>
-        <p:spPr/>
+        <p:spPr>
+          <a:xfrm>
+            <a:off x="628649" y="1369219"/>
+            <a:ext cx="8217177" cy="3075190"/>
+          </a:xfrm>
+        </p:spPr>
         <p:txBody>
-          <a:bodyPr/>
+          <a:bodyPr>
+            <a:normAutofit fontScale="92500"/>
+          </a:bodyPr>
           <a:lstStyle/>
           <a:p>
             <a:r>
@@ -6425,6 +6413,23 @@
               <a:rPr lang="en-US" dirty="0"/>
               <a:t>()</a:t>
             </a:r>
+          </a:p>
+          <a:p>
+            <a:r>
+              <a:rPr lang="en-US" dirty="0"/>
+              <a:t>Also includes several plotting functions:</a:t>
+            </a:r>
+          </a:p>
+          <a:p>
+            <a:pPr lvl="1"/>
+            <a:r>
+              <a:rPr lang="en-US" dirty="0"/>
+              <a:t>Serial position curves, probability of first response, conditional response probabilities</a:t>
+            </a:r>
+          </a:p>
+          <a:p>
+            <a:pPr lvl="1"/>
+            <a:endParaRPr lang="en-US" dirty="0"/>
           </a:p>
           <a:p>
             <a:r>
@@ -6502,6 +6507,214 @@
       <p:transition spd="slow" advTm="98023"/>
     </mc:Fallback>
   </mc:AlternateContent>
+  <p:timing>
+    <p:tnLst>
+      <p:par>
+        <p:cTn id="1" dur="indefinite" restart="never" nodeType="tmRoot">
+          <p:childTnLst>
+            <p:seq concurrent="1" nextAc="seek">
+              <p:cTn id="2" dur="indefinite" nodeType="mainSeq">
+                <p:childTnLst>
+                  <p:par>
+                    <p:cTn id="3" fill="hold">
+                      <p:stCondLst>
+                        <p:cond delay="indefinite"/>
+                      </p:stCondLst>
+                      <p:childTnLst>
+                        <p:par>
+                          <p:cTn id="4" fill="hold">
+                            <p:stCondLst>
+                              <p:cond delay="0"/>
+                            </p:stCondLst>
+                            <p:childTnLst>
+                              <p:par>
+                                <p:cTn id="5" presetID="1" presetClass="entr" presetSubtype="0" fill="hold" nodeType="clickEffect">
+                                  <p:stCondLst>
+                                    <p:cond delay="0"/>
+                                  </p:stCondLst>
+                                  <p:childTnLst>
+                                    <p:set>
+                                      <p:cBhvr>
+                                        <p:cTn id="6" dur="1" fill="hold">
+                                          <p:stCondLst>
+                                            <p:cond delay="0"/>
+                                          </p:stCondLst>
+                                        </p:cTn>
+                                        <p:tgtEl>
+                                          <p:spTgt spid="7">
+                                            <p:txEl>
+                                              <p:pRg st="4" end="4"/>
+                                            </p:txEl>
+                                          </p:spTgt>
+                                        </p:tgtEl>
+                                        <p:attrNameLst>
+                                          <p:attrName>style.visibility</p:attrName>
+                                        </p:attrNameLst>
+                                      </p:cBhvr>
+                                      <p:to>
+                                        <p:strVal val="visible"/>
+                                      </p:to>
+                                    </p:set>
+                                  </p:childTnLst>
+                                </p:cTn>
+                              </p:par>
+                              <p:par>
+                                <p:cTn id="7" presetID="1" presetClass="entr" presetSubtype="0" fill="hold" nodeType="withEffect">
+                                  <p:stCondLst>
+                                    <p:cond delay="0"/>
+                                  </p:stCondLst>
+                                  <p:childTnLst>
+                                    <p:set>
+                                      <p:cBhvr>
+                                        <p:cTn id="8" dur="1" fill="hold">
+                                          <p:stCondLst>
+                                            <p:cond delay="0"/>
+                                          </p:stCondLst>
+                                        </p:cTn>
+                                        <p:tgtEl>
+                                          <p:spTgt spid="7">
+                                            <p:txEl>
+                                              <p:pRg st="5" end="5"/>
+                                            </p:txEl>
+                                          </p:spTgt>
+                                        </p:tgtEl>
+                                        <p:attrNameLst>
+                                          <p:attrName>style.visibility</p:attrName>
+                                        </p:attrNameLst>
+                                      </p:cBhvr>
+                                      <p:to>
+                                        <p:strVal val="visible"/>
+                                      </p:to>
+                                    </p:set>
+                                  </p:childTnLst>
+                                </p:cTn>
+                              </p:par>
+                            </p:childTnLst>
+                          </p:cTn>
+                        </p:par>
+                      </p:childTnLst>
+                    </p:cTn>
+                  </p:par>
+                  <p:par>
+                    <p:cTn id="9" fill="hold">
+                      <p:stCondLst>
+                        <p:cond delay="indefinite"/>
+                      </p:stCondLst>
+                      <p:childTnLst>
+                        <p:par>
+                          <p:cTn id="10" fill="hold">
+                            <p:stCondLst>
+                              <p:cond delay="0"/>
+                            </p:stCondLst>
+                            <p:childTnLst>
+                              <p:par>
+                                <p:cTn id="11" presetID="1" presetClass="entr" presetSubtype="0" fill="hold" nodeType="clickEffect">
+                                  <p:stCondLst>
+                                    <p:cond delay="0"/>
+                                  </p:stCondLst>
+                                  <p:childTnLst>
+                                    <p:set>
+                                      <p:cBhvr>
+                                        <p:cTn id="12" dur="1" fill="hold">
+                                          <p:stCondLst>
+                                            <p:cond delay="0"/>
+                                          </p:stCondLst>
+                                        </p:cTn>
+                                        <p:tgtEl>
+                                          <p:spTgt spid="7">
+                                            <p:txEl>
+                                              <p:pRg st="7" end="7"/>
+                                            </p:txEl>
+                                          </p:spTgt>
+                                        </p:tgtEl>
+                                        <p:attrNameLst>
+                                          <p:attrName>style.visibility</p:attrName>
+                                        </p:attrNameLst>
+                                      </p:cBhvr>
+                                      <p:to>
+                                        <p:strVal val="visible"/>
+                                      </p:to>
+                                    </p:set>
+                                  </p:childTnLst>
+                                </p:cTn>
+                              </p:par>
+                            </p:childTnLst>
+                          </p:cTn>
+                        </p:par>
+                      </p:childTnLst>
+                    </p:cTn>
+                  </p:par>
+                  <p:par>
+                    <p:cTn id="13" fill="hold">
+                      <p:stCondLst>
+                        <p:cond delay="indefinite"/>
+                      </p:stCondLst>
+                      <p:childTnLst>
+                        <p:par>
+                          <p:cTn id="14" fill="hold">
+                            <p:stCondLst>
+                              <p:cond delay="0"/>
+                            </p:stCondLst>
+                            <p:childTnLst>
+                              <p:par>
+                                <p:cTn id="15" presetID="1" presetClass="entr" presetSubtype="0" fill="hold" nodeType="clickEffect">
+                                  <p:stCondLst>
+                                    <p:cond delay="0"/>
+                                  </p:stCondLst>
+                                  <p:childTnLst>
+                                    <p:set>
+                                      <p:cBhvr>
+                                        <p:cTn id="16" dur="1" fill="hold">
+                                          <p:stCondLst>
+                                            <p:cond delay="0"/>
+                                          </p:stCondLst>
+                                        </p:cTn>
+                                        <p:tgtEl>
+                                          <p:spTgt spid="7">
+                                            <p:txEl>
+                                              <p:pRg st="8" end="8"/>
+                                            </p:txEl>
+                                          </p:spTgt>
+                                        </p:tgtEl>
+                                        <p:attrNameLst>
+                                          <p:attrName>style.visibility</p:attrName>
+                                        </p:attrNameLst>
+                                      </p:cBhvr>
+                                      <p:to>
+                                        <p:strVal val="visible"/>
+                                      </p:to>
+                                    </p:set>
+                                  </p:childTnLst>
+                                </p:cTn>
+                              </p:par>
+                            </p:childTnLst>
+                          </p:cTn>
+                        </p:par>
+                      </p:childTnLst>
+                    </p:cTn>
+                  </p:par>
+                </p:childTnLst>
+              </p:cTn>
+              <p:prevCondLst>
+                <p:cond evt="onPrev" delay="0">
+                  <p:tgtEl>
+                    <p:sldTgt/>
+                  </p:tgtEl>
+                </p:cond>
+              </p:prevCondLst>
+              <p:nextCondLst>
+                <p:cond evt="onNext" delay="0">
+                  <p:tgtEl>
+                    <p:sldTgt/>
+                  </p:tgtEl>
+                </p:cond>
+              </p:nextCondLst>
+            </p:seq>
+          </p:childTnLst>
+        </p:cTn>
+      </p:par>
+    </p:tnLst>
+  </p:timing>
 </p:sld>
 </file>
 
@@ -7804,7 +8017,7 @@
           <a:p>
             <a:r>
               <a:rPr lang="en-US" sz="1300" dirty="0"/>
-              <a:t>Answer Key column</a:t>
+              <a:t>Answer key column</a:t>
             </a:r>
           </a:p>
         </p:txBody>
